--- a/02_Document/設計書/土壌センサー基本設計_2017.3.13.pptx
+++ b/02_Document/設計書/土壌センサー基本設計_2017.3.13.pptx
@@ -13,6 +13,7 @@
     <p:sldId id="265" r:id="rId7"/>
     <p:sldId id="267" r:id="rId8"/>
     <p:sldId id="266" r:id="rId9"/>
+    <p:sldId id="268" r:id="rId10"/>
   </p:sldIdLst>
   <p:sldSz cx="9144000" cy="6858000" type="screen4x3"/>
   <p:notesSz cx="6858000" cy="9144000"/>
@@ -111,6 +112,22 @@
       </a:defRPr>
     </a:lvl9pPr>
   </p:defaultTextStyle>
+  <p:extLst>
+    <p:ext uri="{EFAFB233-063F-42B5-8137-9DF3F51BA10A}">
+      <p15:sldGuideLst xmlns:p15="http://schemas.microsoft.com/office/powerpoint/2012/main">
+        <p15:guide id="1" orient="horz" pos="2160">
+          <p15:clr>
+            <a:srgbClr val="A4A3A4"/>
+          </p15:clr>
+        </p15:guide>
+        <p15:guide id="2" pos="2880">
+          <p15:clr>
+            <a:srgbClr val="A4A3A4"/>
+          </p15:clr>
+        </p15:guide>
+      </p15:sldGuideLst>
+    </p:ext>
+  </p:extLst>
 </p:presentation>
 </file>
 
@@ -180,13 +197,12 @@
           <c:showPercent val="0"/>
           <c:showBubbleSize val="0"/>
         </c:dLbls>
-        <c:marker val="1"/>
         <c:smooth val="0"/>
-        <c:axId val="206433664"/>
-        <c:axId val="206435456"/>
+        <c:axId val="206120464"/>
+        <c:axId val="206121024"/>
       </c:lineChart>
       <c:catAx>
-        <c:axId val="206433664"/>
+        <c:axId val="206120464"/>
         <c:scaling>
           <c:orientation val="minMax"/>
         </c:scaling>
@@ -195,7 +211,7 @@
         <c:majorTickMark val="none"/>
         <c:minorTickMark val="none"/>
         <c:tickLblPos val="nextTo"/>
-        <c:crossAx val="206435456"/>
+        <c:crossAx val="206121024"/>
         <c:crosses val="autoZero"/>
         <c:auto val="1"/>
         <c:lblAlgn val="ctr"/>
@@ -203,7 +219,7 @@
         <c:noMultiLvlLbl val="0"/>
       </c:catAx>
       <c:valAx>
-        <c:axId val="206435456"/>
+        <c:axId val="206121024"/>
         <c:scaling>
           <c:orientation val="minMax"/>
           <c:max val="100"/>
@@ -214,7 +230,7 @@
         <c:majorTickMark val="none"/>
         <c:minorTickMark val="none"/>
         <c:tickLblPos val="nextTo"/>
-        <c:crossAx val="206433664"/>
+        <c:crossAx val="206120464"/>
         <c:crosses val="autoZero"/>
         <c:crossBetween val="between"/>
       </c:valAx>
@@ -2041,7 +2057,7 @@
           <a:p>
             <a:fld id="{76969DEE-DC68-48FF-954D-DEAE3079C717}" type="datetimeFigureOut">
               <a:rPr kumimoji="1" lang="ja-JP" altLang="en-US" smtClean="0"/>
-              <a:t>2017/3/13</a:t>
+              <a:t>2017/3/23</a:t>
             </a:fld>
             <a:endParaRPr kumimoji="1" lang="ja-JP" altLang="en-US"/>
           </a:p>
@@ -2254,7 +2270,7 @@
           <a:p>
             <a:fld id="{76969DEE-DC68-48FF-954D-DEAE3079C717}" type="datetimeFigureOut">
               <a:rPr kumimoji="1" lang="ja-JP" altLang="en-US" smtClean="0"/>
-              <a:t>2017/3/13</a:t>
+              <a:t>2017/3/23</a:t>
             </a:fld>
             <a:endParaRPr kumimoji="1" lang="ja-JP" altLang="en-US"/>
           </a:p>
@@ -2405,7 +2421,7 @@
           <a:p>
             <a:fld id="{76969DEE-DC68-48FF-954D-DEAE3079C717}" type="datetimeFigureOut">
               <a:rPr kumimoji="1" lang="ja-JP" altLang="en-US" smtClean="0"/>
-              <a:t>2017/3/13</a:t>
+              <a:t>2017/3/23</a:t>
             </a:fld>
             <a:endParaRPr kumimoji="1" lang="ja-JP" altLang="en-US"/>
           </a:p>
@@ -4295,7 +4311,7 @@
           <a:p>
             <a:fld id="{76969DEE-DC68-48FF-954D-DEAE3079C717}" type="datetimeFigureOut">
               <a:rPr kumimoji="1" lang="ja-JP" altLang="en-US" smtClean="0"/>
-              <a:t>2017/3/13</a:t>
+              <a:t>2017/3/23</a:t>
             </a:fld>
             <a:endParaRPr kumimoji="1" lang="ja-JP" altLang="en-US"/>
           </a:p>
@@ -6165,7 +6181,7 @@
           <a:p>
             <a:fld id="{76969DEE-DC68-48FF-954D-DEAE3079C717}" type="datetimeFigureOut">
               <a:rPr kumimoji="1" lang="ja-JP" altLang="en-US" smtClean="0"/>
-              <a:t>2017/3/13</a:t>
+              <a:t>2017/3/23</a:t>
             </a:fld>
             <a:endParaRPr kumimoji="1" lang="ja-JP" altLang="en-US"/>
           </a:p>
@@ -6278,7 +6294,7 @@
           <a:p>
             <a:fld id="{76969DEE-DC68-48FF-954D-DEAE3079C717}" type="datetimeFigureOut">
               <a:rPr kumimoji="1" lang="ja-JP" altLang="en-US" smtClean="0"/>
-              <a:t>2017/3/13</a:t>
+              <a:t>2017/3/23</a:t>
             </a:fld>
             <a:endParaRPr kumimoji="1" lang="ja-JP" altLang="en-US"/>
           </a:p>
@@ -6947,7 +6963,7 @@
           <a:p>
             <a:fld id="{76969DEE-DC68-48FF-954D-DEAE3079C717}" type="datetimeFigureOut">
               <a:rPr kumimoji="1" lang="ja-JP" altLang="en-US" smtClean="0"/>
-              <a:t>2017/3/13</a:t>
+              <a:t>2017/3/23</a:t>
             </a:fld>
             <a:endParaRPr kumimoji="1" lang="ja-JP" altLang="en-US"/>
           </a:p>
@@ -7060,7 +7076,7 @@
           <a:p>
             <a:fld id="{76969DEE-DC68-48FF-954D-DEAE3079C717}" type="datetimeFigureOut">
               <a:rPr kumimoji="1" lang="ja-JP" altLang="en-US" smtClean="0"/>
-              <a:t>2017/3/13</a:t>
+              <a:t>2017/3/23</a:t>
             </a:fld>
             <a:endParaRPr kumimoji="1" lang="ja-JP" altLang="en-US"/>
           </a:p>
@@ -8771,7 +8787,7 @@
           <a:p>
             <a:fld id="{76969DEE-DC68-48FF-954D-DEAE3079C717}" type="datetimeFigureOut">
               <a:rPr kumimoji="1" lang="ja-JP" altLang="en-US" smtClean="0"/>
-              <a:t>2017/3/13</a:t>
+              <a:t>2017/3/23</a:t>
             </a:fld>
             <a:endParaRPr kumimoji="1" lang="ja-JP" altLang="en-US"/>
           </a:p>
@@ -8922,7 +8938,7 @@
           <a:p>
             <a:fld id="{76969DEE-DC68-48FF-954D-DEAE3079C717}" type="datetimeFigureOut">
               <a:rPr kumimoji="1" lang="ja-JP" altLang="en-US" smtClean="0"/>
-              <a:t>2017/3/13</a:t>
+              <a:t>2017/3/23</a:t>
             </a:fld>
             <a:endParaRPr kumimoji="1" lang="ja-JP" altLang="en-US"/>
           </a:p>
@@ -12569,7 +12585,7 @@
           <a:p>
             <a:fld id="{76969DEE-DC68-48FF-954D-DEAE3079C717}" type="datetimeFigureOut">
               <a:rPr kumimoji="1" lang="ja-JP" altLang="en-US" smtClean="0"/>
-              <a:t>2017/3/13</a:t>
+              <a:t>2017/3/23</a:t>
             </a:fld>
             <a:endParaRPr kumimoji="1" lang="ja-JP" altLang="en-US"/>
           </a:p>
@@ -14428,7 +14444,7 @@
           <a:p>
             <a:fld id="{76969DEE-DC68-48FF-954D-DEAE3079C717}" type="datetimeFigureOut">
               <a:rPr kumimoji="1" lang="ja-JP" altLang="en-US" smtClean="0"/>
-              <a:t>2017/3/13</a:t>
+              <a:t>2017/3/23</a:t>
             </a:fld>
             <a:endParaRPr kumimoji="1" lang="ja-JP" altLang="en-US"/>
           </a:p>
@@ -18394,10 +18410,6 @@
               </a:rPr>
               <a:t>NetBeans</a:t>
             </a:r>
-            <a:endParaRPr lang="en-US" altLang="ja-JP" dirty="0" smtClean="0">
-              <a:latin typeface="ＭＳ Ｐ明朝" panose="02020600040205080304" pitchFamily="18" charset="-128"/>
-              <a:ea typeface="ＭＳ Ｐ明朝" panose="02020600040205080304" pitchFamily="18" charset="-128"/>
-            </a:endParaRPr>
           </a:p>
         </p:txBody>
       </p:sp>
@@ -18612,10 +18624,6 @@
               </a:rPr>
               <a:t>XAMPP</a:t>
             </a:r>
-            <a:endParaRPr lang="en-US" altLang="ja-JP" dirty="0" smtClean="0">
-              <a:latin typeface="ＭＳ Ｐ明朝" panose="02020600040205080304" pitchFamily="18" charset="-128"/>
-              <a:ea typeface="ＭＳ Ｐ明朝" panose="02020600040205080304" pitchFamily="18" charset="-128"/>
-            </a:endParaRPr>
           </a:p>
         </p:txBody>
       </p:sp>
@@ -18676,14 +18684,7 @@
                 <a:latin typeface="ＭＳ Ｐ明朝" panose="02020600040205080304" pitchFamily="18" charset="-128"/>
                 <a:ea typeface="ＭＳ Ｐ明朝" panose="02020600040205080304" pitchFamily="18" charset="-128"/>
               </a:rPr>
-              <a:t>湿度</a:t>
-            </a:r>
-            <a:r>
-              <a:rPr lang="ja-JP" altLang="en-US" sz="3600" dirty="0" smtClean="0">
-                <a:latin typeface="ＭＳ Ｐ明朝" panose="02020600040205080304" pitchFamily="18" charset="-128"/>
-                <a:ea typeface="ＭＳ Ｐ明朝" panose="02020600040205080304" pitchFamily="18" charset="-128"/>
-              </a:rPr>
-              <a:t>情報を確認</a:t>
+              <a:t>湿度情報を確認</a:t>
             </a:r>
             <a:r>
               <a:rPr lang="en-US" altLang="ja-JP" sz="3600" dirty="0" smtClean="0">
@@ -19301,6 +19302,1029 @@
     <p:extLst>
       <p:ext uri="{BB962C8B-B14F-4D97-AF65-F5344CB8AC3E}">
         <p14:creationId xmlns:p14="http://schemas.microsoft.com/office/powerpoint/2010/main" val="1692584055"/>
+      </p:ext>
+    </p:extLst>
+  </p:cSld>
+  <p:clrMapOvr>
+    <a:masterClrMapping/>
+  </p:clrMapOvr>
+</p:sld>
+</file>
+
+<file path=ppt/slides/slide9.xml><?xml version="1.0" encoding="utf-8"?>
+<p:sld xmlns:a="http://schemas.openxmlformats.org/drawingml/2006/main" xmlns:r="http://schemas.openxmlformats.org/officeDocument/2006/relationships" xmlns:p="http://schemas.openxmlformats.org/presentationml/2006/main">
+  <p:cSld>
+    <p:spTree>
+      <p:nvGrpSpPr>
+        <p:cNvPr id="1" name=""/>
+        <p:cNvGrpSpPr/>
+        <p:nvPr/>
+      </p:nvGrpSpPr>
+      <p:grpSpPr>
+        <a:xfrm>
+          <a:off x="0" y="0"/>
+          <a:ext cx="0" cy="0"/>
+          <a:chOff x="0" y="0"/>
+          <a:chExt cx="0" cy="0"/>
+        </a:xfrm>
+      </p:grpSpPr>
+      <p:sp>
+        <p:nvSpPr>
+          <p:cNvPr id="2" name="テキスト ボックス 1"/>
+          <p:cNvSpPr txBox="1"/>
+          <p:nvPr/>
+        </p:nvSpPr>
+        <p:spPr>
+          <a:xfrm>
+            <a:off x="395536" y="1270501"/>
+            <a:ext cx="3913251" cy="646331"/>
+          </a:xfrm>
+          <a:prstGeom prst="rect">
+            <a:avLst/>
+          </a:prstGeom>
+          <a:noFill/>
+        </p:spPr>
+        <p:txBody>
+          <a:bodyPr wrap="none" rtlCol="0">
+            <a:spAutoFit/>
+          </a:bodyPr>
+          <a:lstStyle/>
+          <a:p>
+            <a:r>
+              <a:rPr lang="ja-JP" altLang="en-US" sz="3600" u="sng" dirty="0" smtClean="0">
+                <a:latin typeface="ＭＳ Ｐ明朝" panose="02020600040205080304" pitchFamily="18" charset="-128"/>
+                <a:ea typeface="ＭＳ Ｐ明朝" panose="02020600040205080304" pitchFamily="18" charset="-128"/>
+              </a:rPr>
+              <a:t>インタフェース仕様</a:t>
+            </a:r>
+            <a:endParaRPr kumimoji="1" lang="ja-JP" altLang="en-US" sz="3600" u="sng" dirty="0">
+              <a:latin typeface="ＭＳ Ｐ明朝" panose="02020600040205080304" pitchFamily="18" charset="-128"/>
+              <a:ea typeface="ＭＳ Ｐ明朝" panose="02020600040205080304" pitchFamily="18" charset="-128"/>
+            </a:endParaRPr>
+          </a:p>
+        </p:txBody>
+      </p:sp>
+      <p:sp>
+        <p:nvSpPr>
+          <p:cNvPr id="7" name="テキスト ボックス 6"/>
+          <p:cNvSpPr txBox="1"/>
+          <p:nvPr/>
+        </p:nvSpPr>
+        <p:spPr>
+          <a:xfrm>
+            <a:off x="251520" y="2101498"/>
+            <a:ext cx="3689023" cy="369332"/>
+          </a:xfrm>
+          <a:prstGeom prst="rect">
+            <a:avLst/>
+          </a:prstGeom>
+          <a:noFill/>
+        </p:spPr>
+        <p:txBody>
+          <a:bodyPr wrap="none" rtlCol="0">
+            <a:spAutoFit/>
+          </a:bodyPr>
+          <a:lstStyle/>
+          <a:p>
+            <a:r>
+              <a:rPr lang="ja-JP" altLang="en-US" dirty="0" smtClean="0">
+                <a:latin typeface="メイリオ" panose="020B0604030504040204" pitchFamily="50" charset="-128"/>
+                <a:ea typeface="メイリオ" panose="020B0604030504040204" pitchFamily="50" charset="-128"/>
+                <a:cs typeface="メイリオ" panose="020B0604030504040204" pitchFamily="50" charset="-128"/>
+              </a:rPr>
+              <a:t>○</a:t>
+            </a:r>
+            <a:r>
+              <a:rPr kumimoji="1" lang="en-US" altLang="ja-JP" dirty="0" err="1" smtClean="0">
+                <a:latin typeface="メイリオ" panose="020B0604030504040204" pitchFamily="50" charset="-128"/>
+                <a:ea typeface="メイリオ" panose="020B0604030504040204" pitchFamily="50" charset="-128"/>
+                <a:cs typeface="メイリオ" panose="020B0604030504040204" pitchFamily="50" charset="-128"/>
+              </a:rPr>
+              <a:t>WebBack</a:t>
+            </a:r>
+            <a:r>
+              <a:rPr kumimoji="1" lang="ja-JP" altLang="en-US" dirty="0" smtClean="0">
+                <a:latin typeface="メイリオ" panose="020B0604030504040204" pitchFamily="50" charset="-128"/>
+                <a:ea typeface="メイリオ" panose="020B0604030504040204" pitchFamily="50" charset="-128"/>
+                <a:cs typeface="メイリオ" panose="020B0604030504040204" pitchFamily="50" charset="-128"/>
+              </a:rPr>
+              <a:t>⇔</a:t>
+            </a:r>
+            <a:r>
+              <a:rPr kumimoji="1" lang="en-US" altLang="ja-JP" dirty="0" err="1" smtClean="0">
+                <a:latin typeface="メイリオ" panose="020B0604030504040204" pitchFamily="50" charset="-128"/>
+                <a:ea typeface="メイリオ" panose="020B0604030504040204" pitchFamily="50" charset="-128"/>
+                <a:cs typeface="メイリオ" panose="020B0604030504040204" pitchFamily="50" charset="-128"/>
+              </a:rPr>
+              <a:t>WebFront</a:t>
+            </a:r>
+            <a:r>
+              <a:rPr kumimoji="1" lang="ja-JP" altLang="en-US" dirty="0" smtClean="0">
+                <a:latin typeface="メイリオ" panose="020B0604030504040204" pitchFamily="50" charset="-128"/>
+                <a:ea typeface="メイリオ" panose="020B0604030504040204" pitchFamily="50" charset="-128"/>
+                <a:cs typeface="メイリオ" panose="020B0604030504040204" pitchFamily="50" charset="-128"/>
+              </a:rPr>
+              <a:t>　</a:t>
+            </a:r>
+            <a:r>
+              <a:rPr kumimoji="1" lang="en-US" altLang="ja-JP" dirty="0" smtClean="0">
+                <a:latin typeface="メイリオ" panose="020B0604030504040204" pitchFamily="50" charset="-128"/>
+                <a:ea typeface="メイリオ" panose="020B0604030504040204" pitchFamily="50" charset="-128"/>
+                <a:cs typeface="メイリオ" panose="020B0604030504040204" pitchFamily="50" charset="-128"/>
+              </a:rPr>
+              <a:t>(Ajax)</a:t>
+            </a:r>
+            <a:endParaRPr kumimoji="1" lang="ja-JP" altLang="en-US" dirty="0">
+              <a:latin typeface="メイリオ" panose="020B0604030504040204" pitchFamily="50" charset="-128"/>
+              <a:ea typeface="メイリオ" panose="020B0604030504040204" pitchFamily="50" charset="-128"/>
+              <a:cs typeface="メイリオ" panose="020B0604030504040204" pitchFamily="50" charset="-128"/>
+            </a:endParaRPr>
+          </a:p>
+        </p:txBody>
+      </p:sp>
+      <p:sp>
+        <p:nvSpPr>
+          <p:cNvPr id="8" name="テキスト ボックス 7"/>
+          <p:cNvSpPr txBox="1"/>
+          <p:nvPr/>
+        </p:nvSpPr>
+        <p:spPr>
+          <a:xfrm>
+            <a:off x="371885" y="3140968"/>
+            <a:ext cx="4632163" cy="3539430"/>
+          </a:xfrm>
+          <a:prstGeom prst="rect">
+            <a:avLst/>
+          </a:prstGeom>
+          <a:noFill/>
+          <a:ln>
+            <a:solidFill>
+              <a:schemeClr val="tx1"/>
+            </a:solidFill>
+          </a:ln>
+        </p:spPr>
+        <p:txBody>
+          <a:bodyPr wrap="square" rtlCol="0">
+            <a:spAutoFit/>
+          </a:bodyPr>
+          <a:lstStyle/>
+          <a:p>
+            <a:r>
+              <a:rPr lang="en-US" altLang="ja-JP" sz="1400" dirty="0">
+                <a:latin typeface="ＭＳ ゴシック" panose="020B0609070205080204" pitchFamily="49" charset="-128"/>
+                <a:ea typeface="ＭＳ ゴシック" panose="020B0609070205080204" pitchFamily="49" charset="-128"/>
+              </a:rPr>
+              <a:t>{</a:t>
+            </a:r>
+          </a:p>
+          <a:p>
+            <a:r>
+              <a:rPr lang="en-US" altLang="ja-JP" sz="1400" dirty="0">
+                <a:latin typeface="ＭＳ ゴシック" panose="020B0609070205080204" pitchFamily="49" charset="-128"/>
+                <a:ea typeface="ＭＳ ゴシック" panose="020B0609070205080204" pitchFamily="49" charset="-128"/>
+              </a:rPr>
+              <a:t>    "</a:t>
+            </a:r>
+            <a:r>
+              <a:rPr lang="en-US" altLang="ja-JP" sz="1400" dirty="0" err="1">
+                <a:latin typeface="ＭＳ ゴシック" panose="020B0609070205080204" pitchFamily="49" charset="-128"/>
+                <a:ea typeface="ＭＳ ゴシック" panose="020B0609070205080204" pitchFamily="49" charset="-128"/>
+              </a:rPr>
+              <a:t>recent_humidity</a:t>
+            </a:r>
+            <a:r>
+              <a:rPr lang="en-US" altLang="ja-JP" sz="1400" dirty="0">
+                <a:latin typeface="ＭＳ ゴシック" panose="020B0609070205080204" pitchFamily="49" charset="-128"/>
+                <a:ea typeface="ＭＳ ゴシック" panose="020B0609070205080204" pitchFamily="49" charset="-128"/>
+              </a:rPr>
+              <a:t>": </a:t>
+            </a:r>
+            <a:r>
+              <a:rPr lang="ja-JP" altLang="en-US" sz="1400" dirty="0">
+                <a:latin typeface="ＭＳ ゴシック" panose="020B0609070205080204" pitchFamily="49" charset="-128"/>
+                <a:ea typeface="ＭＳ ゴシック" panose="020B0609070205080204" pitchFamily="49" charset="-128"/>
+              </a:rPr>
+              <a:t>現在の湿度</a:t>
+            </a:r>
+            <a:r>
+              <a:rPr lang="en-US" altLang="ja-JP" sz="1400" dirty="0">
+                <a:latin typeface="ＭＳ ゴシック" panose="020B0609070205080204" pitchFamily="49" charset="-128"/>
+                <a:ea typeface="ＭＳ ゴシック" panose="020B0609070205080204" pitchFamily="49" charset="-128"/>
+              </a:rPr>
+              <a:t>(100</a:t>
+            </a:r>
+            <a:r>
+              <a:rPr lang="ja-JP" altLang="en-US" sz="1400" dirty="0">
+                <a:latin typeface="ＭＳ ゴシック" panose="020B0609070205080204" pitchFamily="49" charset="-128"/>
+                <a:ea typeface="ＭＳ ゴシック" panose="020B0609070205080204" pitchFamily="49" charset="-128"/>
+              </a:rPr>
+              <a:t>で正規化</a:t>
+            </a:r>
+            <a:r>
+              <a:rPr lang="en-US" altLang="ja-JP" sz="1400" dirty="0">
+                <a:latin typeface="ＭＳ ゴシック" panose="020B0609070205080204" pitchFamily="49" charset="-128"/>
+                <a:ea typeface="ＭＳ ゴシック" panose="020B0609070205080204" pitchFamily="49" charset="-128"/>
+              </a:rPr>
+              <a:t>)</a:t>
+            </a:r>
+          </a:p>
+          <a:p>
+            <a:r>
+              <a:rPr lang="en-US" altLang="ja-JP" sz="1400" dirty="0">
+                <a:latin typeface="ＭＳ ゴシック" panose="020B0609070205080204" pitchFamily="49" charset="-128"/>
+                <a:ea typeface="ＭＳ ゴシック" panose="020B0609070205080204" pitchFamily="49" charset="-128"/>
+              </a:rPr>
+              <a:t>    "</a:t>
+            </a:r>
+            <a:r>
+              <a:rPr lang="en-US" altLang="ja-JP" sz="1400" dirty="0" err="1">
+                <a:latin typeface="ＭＳ ゴシック" panose="020B0609070205080204" pitchFamily="49" charset="-128"/>
+                <a:ea typeface="ＭＳ ゴシック" panose="020B0609070205080204" pitchFamily="49" charset="-128"/>
+              </a:rPr>
+              <a:t>humidity_level</a:t>
+            </a:r>
+            <a:r>
+              <a:rPr lang="en-US" altLang="ja-JP" sz="1400" dirty="0">
+                <a:latin typeface="ＭＳ ゴシック" panose="020B0609070205080204" pitchFamily="49" charset="-128"/>
+                <a:ea typeface="ＭＳ ゴシック" panose="020B0609070205080204" pitchFamily="49" charset="-128"/>
+              </a:rPr>
+              <a:t>": </a:t>
+            </a:r>
+            <a:r>
+              <a:rPr lang="ja-JP" altLang="en-US" sz="1400" dirty="0">
+                <a:latin typeface="ＭＳ ゴシック" panose="020B0609070205080204" pitchFamily="49" charset="-128"/>
+                <a:ea typeface="ＭＳ ゴシック" panose="020B0609070205080204" pitchFamily="49" charset="-128"/>
+              </a:rPr>
+              <a:t>湿度レベル 少</a:t>
+            </a:r>
+            <a:r>
+              <a:rPr lang="en-US" altLang="ja-JP" sz="1400" dirty="0">
+                <a:latin typeface="ＭＳ ゴシック" panose="020B0609070205080204" pitchFamily="49" charset="-128"/>
+                <a:ea typeface="ＭＳ ゴシック" panose="020B0609070205080204" pitchFamily="49" charset="-128"/>
+              </a:rPr>
+              <a:t>(0)/</a:t>
+            </a:r>
+            <a:r>
+              <a:rPr lang="ja-JP" altLang="en-US" sz="1400" dirty="0">
+                <a:latin typeface="ＭＳ ゴシック" panose="020B0609070205080204" pitchFamily="49" charset="-128"/>
+                <a:ea typeface="ＭＳ ゴシック" panose="020B0609070205080204" pitchFamily="49" charset="-128"/>
+              </a:rPr>
+              <a:t>適</a:t>
+            </a:r>
+            <a:r>
+              <a:rPr lang="en-US" altLang="ja-JP" sz="1400" dirty="0">
+                <a:latin typeface="ＭＳ ゴシック" panose="020B0609070205080204" pitchFamily="49" charset="-128"/>
+                <a:ea typeface="ＭＳ ゴシック" panose="020B0609070205080204" pitchFamily="49" charset="-128"/>
+              </a:rPr>
+              <a:t>(1)/</a:t>
+            </a:r>
+            <a:r>
+              <a:rPr lang="ja-JP" altLang="en-US" sz="1400" dirty="0">
+                <a:latin typeface="ＭＳ ゴシック" panose="020B0609070205080204" pitchFamily="49" charset="-128"/>
+                <a:ea typeface="ＭＳ ゴシック" panose="020B0609070205080204" pitchFamily="49" charset="-128"/>
+              </a:rPr>
+              <a:t>多</a:t>
+            </a:r>
+            <a:r>
+              <a:rPr lang="en-US" altLang="ja-JP" sz="1400" dirty="0">
+                <a:latin typeface="ＭＳ ゴシック" panose="020B0609070205080204" pitchFamily="49" charset="-128"/>
+                <a:ea typeface="ＭＳ ゴシック" panose="020B0609070205080204" pitchFamily="49" charset="-128"/>
+              </a:rPr>
+              <a:t>(2)</a:t>
+            </a:r>
+          </a:p>
+          <a:p>
+            <a:r>
+              <a:rPr lang="en-US" altLang="ja-JP" sz="1400" dirty="0">
+                <a:latin typeface="ＭＳ ゴシック" panose="020B0609070205080204" pitchFamily="49" charset="-128"/>
+                <a:ea typeface="ＭＳ ゴシック" panose="020B0609070205080204" pitchFamily="49" charset="-128"/>
+              </a:rPr>
+              <a:t>    "</a:t>
+            </a:r>
+            <a:r>
+              <a:rPr lang="en-US" altLang="ja-JP" sz="1400" dirty="0" err="1">
+                <a:latin typeface="ＭＳ ゴシック" panose="020B0609070205080204" pitchFamily="49" charset="-128"/>
+                <a:ea typeface="ＭＳ ゴシック" panose="020B0609070205080204" pitchFamily="49" charset="-128"/>
+              </a:rPr>
+              <a:t>standard_time</a:t>
+            </a:r>
+            <a:r>
+              <a:rPr lang="en-US" altLang="ja-JP" sz="1400" dirty="0">
+                <a:latin typeface="ＭＳ ゴシック" panose="020B0609070205080204" pitchFamily="49" charset="-128"/>
+                <a:ea typeface="ＭＳ ゴシック" panose="020B0609070205080204" pitchFamily="49" charset="-128"/>
+              </a:rPr>
+              <a:t>": </a:t>
+            </a:r>
+            <a:r>
+              <a:rPr lang="ja-JP" altLang="en-US" sz="1400" dirty="0">
+                <a:latin typeface="ＭＳ ゴシック" panose="020B0609070205080204" pitchFamily="49" charset="-128"/>
+                <a:ea typeface="ＭＳ ゴシック" panose="020B0609070205080204" pitchFamily="49" charset="-128"/>
+              </a:rPr>
+              <a:t>規定時刻 </a:t>
+            </a:r>
+            <a:r>
+              <a:rPr lang="en-US" altLang="ja-JP" sz="1400" dirty="0">
+                <a:latin typeface="ＭＳ ゴシック" panose="020B0609070205080204" pitchFamily="49" charset="-128"/>
+                <a:ea typeface="ＭＳ ゴシック" panose="020B0609070205080204" pitchFamily="49" charset="-128"/>
+              </a:rPr>
+              <a:t>(</a:t>
+            </a:r>
+            <a:r>
+              <a:rPr lang="en-US" altLang="ja-JP" sz="1400" dirty="0" err="1">
+                <a:latin typeface="ＭＳ ゴシック" panose="020B0609070205080204" pitchFamily="49" charset="-128"/>
+                <a:ea typeface="ＭＳ ゴシック" panose="020B0609070205080204" pitchFamily="49" charset="-128"/>
+              </a:rPr>
+              <a:t>hh:mm</a:t>
+            </a:r>
+            <a:r>
+              <a:rPr lang="en-US" altLang="ja-JP" sz="1400" dirty="0">
+                <a:latin typeface="ＭＳ ゴシック" panose="020B0609070205080204" pitchFamily="49" charset="-128"/>
+                <a:ea typeface="ＭＳ ゴシック" panose="020B0609070205080204" pitchFamily="49" charset="-128"/>
+              </a:rPr>
+              <a:t>)</a:t>
+            </a:r>
+          </a:p>
+          <a:p>
+            <a:r>
+              <a:rPr lang="en-US" altLang="ja-JP" sz="1400" dirty="0">
+                <a:latin typeface="ＭＳ ゴシック" panose="020B0609070205080204" pitchFamily="49" charset="-128"/>
+                <a:ea typeface="ＭＳ ゴシック" panose="020B0609070205080204" pitchFamily="49" charset="-128"/>
+              </a:rPr>
+              <a:t>    "</a:t>
+            </a:r>
+            <a:r>
+              <a:rPr lang="en-US" altLang="ja-JP" sz="1400" dirty="0" err="1">
+                <a:latin typeface="ＭＳ ゴシック" panose="020B0609070205080204" pitchFamily="49" charset="-128"/>
+                <a:ea typeface="ＭＳ ゴシック" panose="020B0609070205080204" pitchFamily="49" charset="-128"/>
+              </a:rPr>
+              <a:t>week_data</a:t>
+            </a:r>
+            <a:r>
+              <a:rPr lang="en-US" altLang="ja-JP" sz="1400" dirty="0">
+                <a:latin typeface="ＭＳ ゴシック" panose="020B0609070205080204" pitchFamily="49" charset="-128"/>
+                <a:ea typeface="ＭＳ ゴシック" panose="020B0609070205080204" pitchFamily="49" charset="-128"/>
+              </a:rPr>
+              <a:t>": {</a:t>
+            </a:r>
+          </a:p>
+          <a:p>
+            <a:r>
+              <a:rPr lang="en-US" altLang="ja-JP" sz="1400" dirty="0">
+                <a:latin typeface="ＭＳ ゴシック" panose="020B0609070205080204" pitchFamily="49" charset="-128"/>
+                <a:ea typeface="ＭＳ ゴシック" panose="020B0609070205080204" pitchFamily="49" charset="-128"/>
+              </a:rPr>
+              <a:t>        "day1": {</a:t>
+            </a:r>
+          </a:p>
+          <a:p>
+            <a:r>
+              <a:rPr lang="en-US" altLang="ja-JP" sz="1400" dirty="0">
+                <a:latin typeface="ＭＳ ゴシック" panose="020B0609070205080204" pitchFamily="49" charset="-128"/>
+                <a:ea typeface="ＭＳ ゴシック" panose="020B0609070205080204" pitchFamily="49" charset="-128"/>
+              </a:rPr>
+              <a:t>            "data": </a:t>
+            </a:r>
+            <a:r>
+              <a:rPr lang="ja-JP" altLang="en-US" sz="1400" dirty="0">
+                <a:latin typeface="ＭＳ ゴシック" panose="020B0609070205080204" pitchFamily="49" charset="-128"/>
+                <a:ea typeface="ＭＳ ゴシック" panose="020B0609070205080204" pitchFamily="49" charset="-128"/>
+              </a:rPr>
+              <a:t>日付</a:t>
+            </a:r>
+            <a:r>
+              <a:rPr lang="en-US" altLang="ja-JP" sz="1400" dirty="0">
+                <a:latin typeface="ＭＳ ゴシック" panose="020B0609070205080204" pitchFamily="49" charset="-128"/>
+                <a:ea typeface="ＭＳ ゴシック" panose="020B0609070205080204" pitchFamily="49" charset="-128"/>
+              </a:rPr>
+              <a:t>(</a:t>
+            </a:r>
+            <a:r>
+              <a:rPr lang="en-US" altLang="ja-JP" sz="1400" dirty="0" err="1">
+                <a:latin typeface="ＭＳ ゴシック" panose="020B0609070205080204" pitchFamily="49" charset="-128"/>
+                <a:ea typeface="ＭＳ ゴシック" panose="020B0609070205080204" pitchFamily="49" charset="-128"/>
+              </a:rPr>
+              <a:t>yyyy</a:t>
+            </a:r>
+            <a:r>
+              <a:rPr lang="en-US" altLang="ja-JP" sz="1400" dirty="0">
+                <a:latin typeface="ＭＳ ゴシック" panose="020B0609070205080204" pitchFamily="49" charset="-128"/>
+                <a:ea typeface="ＭＳ ゴシック" panose="020B0609070205080204" pitchFamily="49" charset="-128"/>
+              </a:rPr>
+              <a:t>/mm/</a:t>
+            </a:r>
+            <a:r>
+              <a:rPr lang="en-US" altLang="ja-JP" sz="1400" dirty="0" err="1">
+                <a:latin typeface="ＭＳ ゴシック" panose="020B0609070205080204" pitchFamily="49" charset="-128"/>
+                <a:ea typeface="ＭＳ ゴシック" panose="020B0609070205080204" pitchFamily="49" charset="-128"/>
+              </a:rPr>
+              <a:t>dd</a:t>
+            </a:r>
+            <a:r>
+              <a:rPr lang="en-US" altLang="ja-JP" sz="1400" dirty="0">
+                <a:latin typeface="ＭＳ ゴシック" panose="020B0609070205080204" pitchFamily="49" charset="-128"/>
+                <a:ea typeface="ＭＳ ゴシック" panose="020B0609070205080204" pitchFamily="49" charset="-128"/>
+              </a:rPr>
+              <a:t>),</a:t>
+            </a:r>
+          </a:p>
+          <a:p>
+            <a:r>
+              <a:rPr lang="en-US" altLang="ja-JP" sz="1400" dirty="0">
+                <a:latin typeface="ＭＳ ゴシック" panose="020B0609070205080204" pitchFamily="49" charset="-128"/>
+                <a:ea typeface="ＭＳ ゴシック" panose="020B0609070205080204" pitchFamily="49" charset="-128"/>
+              </a:rPr>
+              <a:t>            "humidity": </a:t>
+            </a:r>
+            <a:r>
+              <a:rPr lang="ja-JP" altLang="en-US" sz="1400" dirty="0">
+                <a:latin typeface="ＭＳ ゴシック" panose="020B0609070205080204" pitchFamily="49" charset="-128"/>
+                <a:ea typeface="ＭＳ ゴシック" panose="020B0609070205080204" pitchFamily="49" charset="-128"/>
+              </a:rPr>
+              <a:t>湿度</a:t>
+            </a:r>
+            <a:r>
+              <a:rPr lang="en-US" altLang="ja-JP" sz="1400" dirty="0">
+                <a:latin typeface="ＭＳ ゴシック" panose="020B0609070205080204" pitchFamily="49" charset="-128"/>
+                <a:ea typeface="ＭＳ ゴシック" panose="020B0609070205080204" pitchFamily="49" charset="-128"/>
+              </a:rPr>
+              <a:t>(100</a:t>
+            </a:r>
+            <a:r>
+              <a:rPr lang="ja-JP" altLang="en-US" sz="1400" dirty="0">
+                <a:latin typeface="ＭＳ ゴシック" panose="020B0609070205080204" pitchFamily="49" charset="-128"/>
+                <a:ea typeface="ＭＳ ゴシック" panose="020B0609070205080204" pitchFamily="49" charset="-128"/>
+              </a:rPr>
+              <a:t>で正規化</a:t>
+            </a:r>
+            <a:r>
+              <a:rPr lang="en-US" altLang="ja-JP" sz="1400" dirty="0">
+                <a:latin typeface="ＭＳ ゴシック" panose="020B0609070205080204" pitchFamily="49" charset="-128"/>
+                <a:ea typeface="ＭＳ ゴシック" panose="020B0609070205080204" pitchFamily="49" charset="-128"/>
+              </a:rPr>
+              <a:t>)</a:t>
+            </a:r>
+          </a:p>
+          <a:p>
+            <a:r>
+              <a:rPr lang="en-US" altLang="ja-JP" sz="1400" dirty="0">
+                <a:latin typeface="ＭＳ ゴシック" panose="020B0609070205080204" pitchFamily="49" charset="-128"/>
+                <a:ea typeface="ＭＳ ゴシック" panose="020B0609070205080204" pitchFamily="49" charset="-128"/>
+              </a:rPr>
+              <a:t>        },</a:t>
+            </a:r>
+          </a:p>
+          <a:p>
+            <a:r>
+              <a:rPr lang="en-US" altLang="ja-JP" sz="1400" dirty="0">
+                <a:latin typeface="ＭＳ ゴシック" panose="020B0609070205080204" pitchFamily="49" charset="-128"/>
+                <a:ea typeface="ＭＳ ゴシック" panose="020B0609070205080204" pitchFamily="49" charset="-128"/>
+              </a:rPr>
+              <a:t>        </a:t>
+            </a:r>
+            <a:r>
+              <a:rPr lang="ja-JP" altLang="en-US" sz="1400" dirty="0">
+                <a:latin typeface="ＭＳ ゴシック" panose="020B0609070205080204" pitchFamily="49" charset="-128"/>
+                <a:ea typeface="ＭＳ ゴシック" panose="020B0609070205080204" pitchFamily="49" charset="-128"/>
+              </a:rPr>
+              <a:t>～～～</a:t>
+            </a:r>
+          </a:p>
+          <a:p>
+            <a:r>
+              <a:rPr lang="ja-JP" altLang="en-US" sz="1400" dirty="0">
+                <a:latin typeface="ＭＳ ゴシック" panose="020B0609070205080204" pitchFamily="49" charset="-128"/>
+                <a:ea typeface="ＭＳ ゴシック" panose="020B0609070205080204" pitchFamily="49" charset="-128"/>
+              </a:rPr>
+              <a:t>        </a:t>
+            </a:r>
+            <a:r>
+              <a:rPr lang="en-US" altLang="ja-JP" sz="1400" dirty="0">
+                <a:latin typeface="ＭＳ ゴシック" panose="020B0609070205080204" pitchFamily="49" charset="-128"/>
+                <a:ea typeface="ＭＳ ゴシック" panose="020B0609070205080204" pitchFamily="49" charset="-128"/>
+              </a:rPr>
+              <a:t>"day7": {</a:t>
+            </a:r>
+          </a:p>
+          <a:p>
+            <a:r>
+              <a:rPr lang="en-US" altLang="ja-JP" sz="1400" dirty="0">
+                <a:latin typeface="ＭＳ ゴシック" panose="020B0609070205080204" pitchFamily="49" charset="-128"/>
+                <a:ea typeface="ＭＳ ゴシック" panose="020B0609070205080204" pitchFamily="49" charset="-128"/>
+              </a:rPr>
+              <a:t>            "data": </a:t>
+            </a:r>
+            <a:r>
+              <a:rPr lang="ja-JP" altLang="en-US" sz="1400" dirty="0">
+                <a:latin typeface="ＭＳ ゴシック" panose="020B0609070205080204" pitchFamily="49" charset="-128"/>
+                <a:ea typeface="ＭＳ ゴシック" panose="020B0609070205080204" pitchFamily="49" charset="-128"/>
+              </a:rPr>
+              <a:t>日付</a:t>
+            </a:r>
+            <a:r>
+              <a:rPr lang="en-US" altLang="ja-JP" sz="1400" dirty="0">
+                <a:latin typeface="ＭＳ ゴシック" panose="020B0609070205080204" pitchFamily="49" charset="-128"/>
+                <a:ea typeface="ＭＳ ゴシック" panose="020B0609070205080204" pitchFamily="49" charset="-128"/>
+              </a:rPr>
+              <a:t>(</a:t>
+            </a:r>
+            <a:r>
+              <a:rPr lang="en-US" altLang="ja-JP" sz="1400" dirty="0" err="1">
+                <a:latin typeface="ＭＳ ゴシック" panose="020B0609070205080204" pitchFamily="49" charset="-128"/>
+                <a:ea typeface="ＭＳ ゴシック" panose="020B0609070205080204" pitchFamily="49" charset="-128"/>
+              </a:rPr>
+              <a:t>yyyy</a:t>
+            </a:r>
+            <a:r>
+              <a:rPr lang="en-US" altLang="ja-JP" sz="1400" dirty="0">
+                <a:latin typeface="ＭＳ ゴシック" panose="020B0609070205080204" pitchFamily="49" charset="-128"/>
+                <a:ea typeface="ＭＳ ゴシック" panose="020B0609070205080204" pitchFamily="49" charset="-128"/>
+              </a:rPr>
+              <a:t>/mm/</a:t>
+            </a:r>
+            <a:r>
+              <a:rPr lang="en-US" altLang="ja-JP" sz="1400" dirty="0" err="1">
+                <a:latin typeface="ＭＳ ゴシック" panose="020B0609070205080204" pitchFamily="49" charset="-128"/>
+                <a:ea typeface="ＭＳ ゴシック" panose="020B0609070205080204" pitchFamily="49" charset="-128"/>
+              </a:rPr>
+              <a:t>dd</a:t>
+            </a:r>
+            <a:r>
+              <a:rPr lang="en-US" altLang="ja-JP" sz="1400" dirty="0">
+                <a:latin typeface="ＭＳ ゴシック" panose="020B0609070205080204" pitchFamily="49" charset="-128"/>
+                <a:ea typeface="ＭＳ ゴシック" panose="020B0609070205080204" pitchFamily="49" charset="-128"/>
+              </a:rPr>
+              <a:t>),</a:t>
+            </a:r>
+          </a:p>
+          <a:p>
+            <a:r>
+              <a:rPr lang="en-US" altLang="ja-JP" sz="1400" dirty="0">
+                <a:latin typeface="ＭＳ ゴシック" panose="020B0609070205080204" pitchFamily="49" charset="-128"/>
+                <a:ea typeface="ＭＳ ゴシック" panose="020B0609070205080204" pitchFamily="49" charset="-128"/>
+              </a:rPr>
+              <a:t>            "humidity": </a:t>
+            </a:r>
+            <a:r>
+              <a:rPr lang="ja-JP" altLang="en-US" sz="1400" dirty="0">
+                <a:latin typeface="ＭＳ ゴシック" panose="020B0609070205080204" pitchFamily="49" charset="-128"/>
+                <a:ea typeface="ＭＳ ゴシック" panose="020B0609070205080204" pitchFamily="49" charset="-128"/>
+              </a:rPr>
+              <a:t>湿度</a:t>
+            </a:r>
+            <a:r>
+              <a:rPr lang="en-US" altLang="ja-JP" sz="1400" dirty="0">
+                <a:latin typeface="ＭＳ ゴシック" panose="020B0609070205080204" pitchFamily="49" charset="-128"/>
+                <a:ea typeface="ＭＳ ゴシック" panose="020B0609070205080204" pitchFamily="49" charset="-128"/>
+              </a:rPr>
+              <a:t>(100</a:t>
+            </a:r>
+            <a:r>
+              <a:rPr lang="ja-JP" altLang="en-US" sz="1400" dirty="0">
+                <a:latin typeface="ＭＳ ゴシック" panose="020B0609070205080204" pitchFamily="49" charset="-128"/>
+                <a:ea typeface="ＭＳ ゴシック" panose="020B0609070205080204" pitchFamily="49" charset="-128"/>
+              </a:rPr>
+              <a:t>で正規化</a:t>
+            </a:r>
+            <a:r>
+              <a:rPr lang="en-US" altLang="ja-JP" sz="1400" dirty="0">
+                <a:latin typeface="ＭＳ ゴシック" panose="020B0609070205080204" pitchFamily="49" charset="-128"/>
+                <a:ea typeface="ＭＳ ゴシック" panose="020B0609070205080204" pitchFamily="49" charset="-128"/>
+              </a:rPr>
+              <a:t>)</a:t>
+            </a:r>
+          </a:p>
+          <a:p>
+            <a:r>
+              <a:rPr lang="en-US" altLang="ja-JP" sz="1400" dirty="0">
+                <a:latin typeface="ＭＳ ゴシック" panose="020B0609070205080204" pitchFamily="49" charset="-128"/>
+                <a:ea typeface="ＭＳ ゴシック" panose="020B0609070205080204" pitchFamily="49" charset="-128"/>
+              </a:rPr>
+              <a:t>        }</a:t>
+            </a:r>
+          </a:p>
+          <a:p>
+            <a:r>
+              <a:rPr lang="en-US" altLang="ja-JP" sz="1400" dirty="0">
+                <a:latin typeface="ＭＳ ゴシック" panose="020B0609070205080204" pitchFamily="49" charset="-128"/>
+                <a:ea typeface="ＭＳ ゴシック" panose="020B0609070205080204" pitchFamily="49" charset="-128"/>
+              </a:rPr>
+              <a:t>    }</a:t>
+            </a:r>
+          </a:p>
+          <a:p>
+            <a:r>
+              <a:rPr lang="en-US" altLang="ja-JP" sz="1400" dirty="0">
+                <a:latin typeface="ＭＳ ゴシック" panose="020B0609070205080204" pitchFamily="49" charset="-128"/>
+                <a:ea typeface="ＭＳ ゴシック" panose="020B0609070205080204" pitchFamily="49" charset="-128"/>
+              </a:rPr>
+              <a:t>}</a:t>
+            </a:r>
+            <a:endParaRPr kumimoji="1" lang="ja-JP" altLang="en-US" sz="1400" dirty="0">
+              <a:latin typeface="ＭＳ ゴシック" panose="020B0609070205080204" pitchFamily="49" charset="-128"/>
+              <a:ea typeface="ＭＳ ゴシック" panose="020B0609070205080204" pitchFamily="49" charset="-128"/>
+            </a:endParaRPr>
+          </a:p>
+        </p:txBody>
+      </p:sp>
+      <p:sp>
+        <p:nvSpPr>
+          <p:cNvPr id="3" name="テキスト ボックス 2"/>
+          <p:cNvSpPr txBox="1"/>
+          <p:nvPr/>
+        </p:nvSpPr>
+        <p:spPr>
+          <a:xfrm>
+            <a:off x="5220072" y="3140968"/>
+            <a:ext cx="3811556" cy="2585323"/>
+          </a:xfrm>
+          <a:prstGeom prst="rect">
+            <a:avLst/>
+          </a:prstGeom>
+          <a:noFill/>
+        </p:spPr>
+        <p:txBody>
+          <a:bodyPr wrap="none" rtlCol="0">
+            <a:spAutoFit/>
+          </a:bodyPr>
+          <a:lstStyle/>
+          <a:p>
+            <a:r>
+              <a:rPr lang="en-US" altLang="ja-JP" dirty="0" err="1" smtClean="0">
+                <a:latin typeface="メイリオ" panose="020B0604030504040204" pitchFamily="50" charset="-128"/>
+                <a:ea typeface="メイリオ" panose="020B0604030504040204" pitchFamily="50" charset="-128"/>
+                <a:cs typeface="メイリオ" panose="020B0604030504040204" pitchFamily="50" charset="-128"/>
+              </a:rPr>
+              <a:t>WebFront</a:t>
+            </a:r>
+            <a:r>
+              <a:rPr lang="ja-JP" altLang="en-US" dirty="0" smtClean="0">
+                <a:latin typeface="メイリオ" panose="020B0604030504040204" pitchFamily="50" charset="-128"/>
+                <a:ea typeface="メイリオ" panose="020B0604030504040204" pitchFamily="50" charset="-128"/>
+                <a:cs typeface="メイリオ" panose="020B0604030504040204" pitchFamily="50" charset="-128"/>
+              </a:rPr>
+              <a:t>が取得する情報は下記。</a:t>
+            </a:r>
+            <a:endParaRPr lang="en-US" altLang="ja-JP" dirty="0" smtClean="0">
+              <a:latin typeface="メイリオ" panose="020B0604030504040204" pitchFamily="50" charset="-128"/>
+              <a:ea typeface="メイリオ" panose="020B0604030504040204" pitchFamily="50" charset="-128"/>
+              <a:cs typeface="メイリオ" panose="020B0604030504040204" pitchFamily="50" charset="-128"/>
+            </a:endParaRPr>
+          </a:p>
+          <a:p>
+            <a:endParaRPr lang="en-US" altLang="ja-JP" dirty="0" smtClean="0">
+              <a:latin typeface="メイリオ" panose="020B0604030504040204" pitchFamily="50" charset="-128"/>
+              <a:ea typeface="メイリオ" panose="020B0604030504040204" pitchFamily="50" charset="-128"/>
+              <a:cs typeface="メイリオ" panose="020B0604030504040204" pitchFamily="50" charset="-128"/>
+            </a:endParaRPr>
+          </a:p>
+          <a:p>
+            <a:r>
+              <a:rPr kumimoji="1" lang="ja-JP" altLang="en-US" dirty="0" smtClean="0">
+                <a:latin typeface="メイリオ" panose="020B0604030504040204" pitchFamily="50" charset="-128"/>
+                <a:ea typeface="メイリオ" panose="020B0604030504040204" pitchFamily="50" charset="-128"/>
+                <a:cs typeface="メイリオ" panose="020B0604030504040204" pitchFamily="50" charset="-128"/>
+              </a:rPr>
+              <a:t>・</a:t>
+            </a:r>
+            <a:r>
+              <a:rPr lang="ja-JP" altLang="en-US" dirty="0" smtClean="0">
+                <a:latin typeface="メイリオ" panose="020B0604030504040204" pitchFamily="50" charset="-128"/>
+                <a:ea typeface="メイリオ" panose="020B0604030504040204" pitchFamily="50" charset="-128"/>
+                <a:cs typeface="メイリオ" panose="020B0604030504040204" pitchFamily="50" charset="-128"/>
+              </a:rPr>
+              <a:t>現在の湿度</a:t>
+            </a:r>
+            <a:r>
+              <a:rPr lang="en-US" altLang="ja-JP" dirty="0" smtClean="0">
+                <a:latin typeface="メイリオ" panose="020B0604030504040204" pitchFamily="50" charset="-128"/>
+                <a:ea typeface="メイリオ" panose="020B0604030504040204" pitchFamily="50" charset="-128"/>
+                <a:cs typeface="メイリオ" panose="020B0604030504040204" pitchFamily="50" charset="-128"/>
+              </a:rPr>
+              <a:t>(100</a:t>
+            </a:r>
+            <a:r>
+              <a:rPr lang="ja-JP" altLang="en-US" dirty="0" smtClean="0">
+                <a:latin typeface="メイリオ" panose="020B0604030504040204" pitchFamily="50" charset="-128"/>
+                <a:ea typeface="メイリオ" panose="020B0604030504040204" pitchFamily="50" charset="-128"/>
+                <a:cs typeface="メイリオ" panose="020B0604030504040204" pitchFamily="50" charset="-128"/>
+              </a:rPr>
+              <a:t>で正規化済み</a:t>
+            </a:r>
+            <a:r>
+              <a:rPr lang="en-US" altLang="ja-JP" dirty="0" smtClean="0">
+                <a:latin typeface="メイリオ" panose="020B0604030504040204" pitchFamily="50" charset="-128"/>
+                <a:ea typeface="メイリオ" panose="020B0604030504040204" pitchFamily="50" charset="-128"/>
+                <a:cs typeface="メイリオ" panose="020B0604030504040204" pitchFamily="50" charset="-128"/>
+              </a:rPr>
+              <a:t>)</a:t>
+            </a:r>
+          </a:p>
+          <a:p>
+            <a:r>
+              <a:rPr lang="ja-JP" altLang="en-US" dirty="0" smtClean="0">
+                <a:latin typeface="メイリオ" panose="020B0604030504040204" pitchFamily="50" charset="-128"/>
+                <a:ea typeface="メイリオ" panose="020B0604030504040204" pitchFamily="50" charset="-128"/>
+                <a:cs typeface="メイリオ" panose="020B0604030504040204" pitchFamily="50" charset="-128"/>
+              </a:rPr>
+              <a:t>・湿度レベル 少</a:t>
+            </a:r>
+            <a:r>
+              <a:rPr lang="en-US" altLang="ja-JP" dirty="0" smtClean="0">
+                <a:latin typeface="メイリオ" panose="020B0604030504040204" pitchFamily="50" charset="-128"/>
+                <a:ea typeface="メイリオ" panose="020B0604030504040204" pitchFamily="50" charset="-128"/>
+                <a:cs typeface="メイリオ" panose="020B0604030504040204" pitchFamily="50" charset="-128"/>
+              </a:rPr>
+              <a:t>(0)/</a:t>
+            </a:r>
+            <a:r>
+              <a:rPr lang="ja-JP" altLang="en-US" dirty="0" smtClean="0">
+                <a:latin typeface="メイリオ" panose="020B0604030504040204" pitchFamily="50" charset="-128"/>
+                <a:ea typeface="メイリオ" panose="020B0604030504040204" pitchFamily="50" charset="-128"/>
+                <a:cs typeface="メイリオ" panose="020B0604030504040204" pitchFamily="50" charset="-128"/>
+              </a:rPr>
+              <a:t>適</a:t>
+            </a:r>
+            <a:r>
+              <a:rPr lang="en-US" altLang="ja-JP" dirty="0" smtClean="0">
+                <a:latin typeface="メイリオ" panose="020B0604030504040204" pitchFamily="50" charset="-128"/>
+                <a:ea typeface="メイリオ" panose="020B0604030504040204" pitchFamily="50" charset="-128"/>
+                <a:cs typeface="メイリオ" panose="020B0604030504040204" pitchFamily="50" charset="-128"/>
+              </a:rPr>
+              <a:t>(1)/</a:t>
+            </a:r>
+            <a:r>
+              <a:rPr lang="ja-JP" altLang="en-US" dirty="0" smtClean="0">
+                <a:latin typeface="メイリオ" panose="020B0604030504040204" pitchFamily="50" charset="-128"/>
+                <a:ea typeface="メイリオ" panose="020B0604030504040204" pitchFamily="50" charset="-128"/>
+                <a:cs typeface="メイリオ" panose="020B0604030504040204" pitchFamily="50" charset="-128"/>
+              </a:rPr>
+              <a:t>多</a:t>
+            </a:r>
+            <a:r>
+              <a:rPr lang="en-US" altLang="ja-JP" dirty="0" smtClean="0">
+                <a:latin typeface="メイリオ" panose="020B0604030504040204" pitchFamily="50" charset="-128"/>
+                <a:ea typeface="メイリオ" panose="020B0604030504040204" pitchFamily="50" charset="-128"/>
+                <a:cs typeface="メイリオ" panose="020B0604030504040204" pitchFamily="50" charset="-128"/>
+              </a:rPr>
+              <a:t>(2)</a:t>
+            </a:r>
+          </a:p>
+          <a:p>
+            <a:r>
+              <a:rPr lang="ja-JP" altLang="en-US" dirty="0" smtClean="0">
+                <a:latin typeface="メイリオ" panose="020B0604030504040204" pitchFamily="50" charset="-128"/>
+                <a:ea typeface="メイリオ" panose="020B0604030504040204" pitchFamily="50" charset="-128"/>
+                <a:cs typeface="メイリオ" panose="020B0604030504040204" pitchFamily="50" charset="-128"/>
+              </a:rPr>
+              <a:t>・規定時刻 </a:t>
+            </a:r>
+            <a:r>
+              <a:rPr lang="en-US" altLang="ja-JP" dirty="0" smtClean="0">
+                <a:latin typeface="メイリオ" panose="020B0604030504040204" pitchFamily="50" charset="-128"/>
+                <a:ea typeface="メイリオ" panose="020B0604030504040204" pitchFamily="50" charset="-128"/>
+                <a:cs typeface="メイリオ" panose="020B0604030504040204" pitchFamily="50" charset="-128"/>
+              </a:rPr>
+              <a:t>(</a:t>
+            </a:r>
+            <a:r>
+              <a:rPr lang="en-US" altLang="ja-JP" dirty="0" err="1" smtClean="0">
+                <a:latin typeface="メイリオ" panose="020B0604030504040204" pitchFamily="50" charset="-128"/>
+                <a:ea typeface="メイリオ" panose="020B0604030504040204" pitchFamily="50" charset="-128"/>
+                <a:cs typeface="メイリオ" panose="020B0604030504040204" pitchFamily="50" charset="-128"/>
+              </a:rPr>
+              <a:t>hh:mm</a:t>
+            </a:r>
+            <a:r>
+              <a:rPr lang="en-US" altLang="ja-JP" dirty="0" smtClean="0">
+                <a:latin typeface="メイリオ" panose="020B0604030504040204" pitchFamily="50" charset="-128"/>
+                <a:ea typeface="メイリオ" panose="020B0604030504040204" pitchFamily="50" charset="-128"/>
+                <a:cs typeface="メイリオ" panose="020B0604030504040204" pitchFamily="50" charset="-128"/>
+              </a:rPr>
+              <a:t>)</a:t>
+            </a:r>
+          </a:p>
+          <a:p>
+            <a:r>
+              <a:rPr kumimoji="1" lang="ja-JP" altLang="en-US" dirty="0" smtClean="0">
+                <a:latin typeface="メイリオ" panose="020B0604030504040204" pitchFamily="50" charset="-128"/>
+                <a:ea typeface="メイリオ" panose="020B0604030504040204" pitchFamily="50" charset="-128"/>
+                <a:cs typeface="メイリオ" panose="020B0604030504040204" pitchFamily="50" charset="-128"/>
+              </a:rPr>
+              <a:t>・１日</a:t>
+            </a:r>
+            <a:r>
+              <a:rPr lang="ja-JP" altLang="en-US" dirty="0" smtClean="0">
+                <a:latin typeface="メイリオ" panose="020B0604030504040204" pitchFamily="50" charset="-128"/>
+                <a:ea typeface="メイリオ" panose="020B0604030504040204" pitchFamily="50" charset="-128"/>
+                <a:cs typeface="メイリオ" panose="020B0604030504040204" pitchFamily="50" charset="-128"/>
+              </a:rPr>
+              <a:t>～７日</a:t>
+            </a:r>
+            <a:r>
+              <a:rPr kumimoji="1" lang="ja-JP" altLang="en-US" dirty="0" smtClean="0">
+                <a:latin typeface="メイリオ" panose="020B0604030504040204" pitchFamily="50" charset="-128"/>
+                <a:ea typeface="メイリオ" panose="020B0604030504040204" pitchFamily="50" charset="-128"/>
+                <a:cs typeface="メイリオ" panose="020B0604030504040204" pitchFamily="50" charset="-128"/>
+              </a:rPr>
+              <a:t>前</a:t>
+            </a:r>
+            <a:r>
+              <a:rPr lang="ja-JP" altLang="en-US" dirty="0" smtClean="0">
+                <a:latin typeface="メイリオ" panose="020B0604030504040204" pitchFamily="50" charset="-128"/>
+                <a:ea typeface="メイリオ" panose="020B0604030504040204" pitchFamily="50" charset="-128"/>
+                <a:cs typeface="メイリオ" panose="020B0604030504040204" pitchFamily="50" charset="-128"/>
+              </a:rPr>
+              <a:t>の湿度</a:t>
+            </a:r>
+            <a:endParaRPr lang="en-US" altLang="ja-JP" dirty="0" smtClean="0">
+              <a:latin typeface="メイリオ" panose="020B0604030504040204" pitchFamily="50" charset="-128"/>
+              <a:ea typeface="メイリオ" panose="020B0604030504040204" pitchFamily="50" charset="-128"/>
+              <a:cs typeface="メイリオ" panose="020B0604030504040204" pitchFamily="50" charset="-128"/>
+            </a:endParaRPr>
+          </a:p>
+          <a:p>
+            <a:r>
+              <a:rPr lang="ja-JP" altLang="en-US" dirty="0">
+                <a:latin typeface="メイリオ" panose="020B0604030504040204" pitchFamily="50" charset="-128"/>
+                <a:ea typeface="メイリオ" panose="020B0604030504040204" pitchFamily="50" charset="-128"/>
+                <a:cs typeface="メイリオ" panose="020B0604030504040204" pitchFamily="50" charset="-128"/>
+              </a:rPr>
+              <a:t>　</a:t>
+            </a:r>
+            <a:r>
+              <a:rPr lang="en-US" altLang="ja-JP" dirty="0" smtClean="0">
+                <a:latin typeface="メイリオ" panose="020B0604030504040204" pitchFamily="50" charset="-128"/>
+                <a:ea typeface="メイリオ" panose="020B0604030504040204" pitchFamily="50" charset="-128"/>
+                <a:cs typeface="メイリオ" panose="020B0604030504040204" pitchFamily="50" charset="-128"/>
+              </a:rPr>
+              <a:t>※1</a:t>
+            </a:r>
+            <a:r>
+              <a:rPr lang="ja-JP" altLang="en-US" dirty="0" smtClean="0">
+                <a:latin typeface="メイリオ" panose="020B0604030504040204" pitchFamily="50" charset="-128"/>
+                <a:ea typeface="メイリオ" panose="020B0604030504040204" pitchFamily="50" charset="-128"/>
+                <a:cs typeface="メイリオ" panose="020B0604030504040204" pitchFamily="50" charset="-128"/>
+              </a:rPr>
+              <a:t>日毎のデータ</a:t>
+            </a:r>
+            <a:endParaRPr lang="en-US" altLang="ja-JP" dirty="0">
+              <a:latin typeface="メイリオ" panose="020B0604030504040204" pitchFamily="50" charset="-128"/>
+              <a:ea typeface="メイリオ" panose="020B0604030504040204" pitchFamily="50" charset="-128"/>
+              <a:cs typeface="メイリオ" panose="020B0604030504040204" pitchFamily="50" charset="-128"/>
+            </a:endParaRPr>
+          </a:p>
+          <a:p>
+            <a:r>
+              <a:rPr kumimoji="1" lang="ja-JP" altLang="en-US" dirty="0" smtClean="0">
+                <a:latin typeface="メイリオ" panose="020B0604030504040204" pitchFamily="50" charset="-128"/>
+                <a:ea typeface="メイリオ" panose="020B0604030504040204" pitchFamily="50" charset="-128"/>
+                <a:cs typeface="メイリオ" panose="020B0604030504040204" pitchFamily="50" charset="-128"/>
+              </a:rPr>
+              <a:t>　　</a:t>
+            </a:r>
+            <a:r>
+              <a:rPr lang="ja-JP" altLang="en-US" dirty="0" smtClean="0">
+                <a:latin typeface="メイリオ" panose="020B0604030504040204" pitchFamily="50" charset="-128"/>
+                <a:ea typeface="メイリオ" panose="020B0604030504040204" pitchFamily="50" charset="-128"/>
+                <a:cs typeface="メイリオ" panose="020B0604030504040204" pitchFamily="50" charset="-128"/>
+              </a:rPr>
+              <a:t>→日付</a:t>
+            </a:r>
+            <a:r>
+              <a:rPr lang="en-US" altLang="ja-JP" dirty="0" smtClean="0">
+                <a:latin typeface="メイリオ" panose="020B0604030504040204" pitchFamily="50" charset="-128"/>
+                <a:ea typeface="メイリオ" panose="020B0604030504040204" pitchFamily="50" charset="-128"/>
+                <a:cs typeface="メイリオ" panose="020B0604030504040204" pitchFamily="50" charset="-128"/>
+              </a:rPr>
+              <a:t>(</a:t>
+            </a:r>
+            <a:r>
+              <a:rPr lang="en-US" altLang="ja-JP" dirty="0" err="1" smtClean="0">
+                <a:latin typeface="メイリオ" panose="020B0604030504040204" pitchFamily="50" charset="-128"/>
+                <a:ea typeface="メイリオ" panose="020B0604030504040204" pitchFamily="50" charset="-128"/>
+                <a:cs typeface="メイリオ" panose="020B0604030504040204" pitchFamily="50" charset="-128"/>
+              </a:rPr>
+              <a:t>yyyy</a:t>
+            </a:r>
+            <a:r>
+              <a:rPr lang="en-US" altLang="ja-JP" dirty="0" smtClean="0">
+                <a:latin typeface="メイリオ" panose="020B0604030504040204" pitchFamily="50" charset="-128"/>
+                <a:ea typeface="メイリオ" panose="020B0604030504040204" pitchFamily="50" charset="-128"/>
+                <a:cs typeface="メイリオ" panose="020B0604030504040204" pitchFamily="50" charset="-128"/>
+              </a:rPr>
+              <a:t>/mm/</a:t>
+            </a:r>
+            <a:r>
+              <a:rPr lang="en-US" altLang="ja-JP" dirty="0" err="1" smtClean="0">
+                <a:latin typeface="メイリオ" panose="020B0604030504040204" pitchFamily="50" charset="-128"/>
+                <a:ea typeface="メイリオ" panose="020B0604030504040204" pitchFamily="50" charset="-128"/>
+                <a:cs typeface="メイリオ" panose="020B0604030504040204" pitchFamily="50" charset="-128"/>
+              </a:rPr>
+              <a:t>dd</a:t>
+            </a:r>
+            <a:r>
+              <a:rPr lang="en-US" altLang="ja-JP" dirty="0" smtClean="0">
+                <a:latin typeface="メイリオ" panose="020B0604030504040204" pitchFamily="50" charset="-128"/>
+                <a:ea typeface="メイリオ" panose="020B0604030504040204" pitchFamily="50" charset="-128"/>
+                <a:cs typeface="メイリオ" panose="020B0604030504040204" pitchFamily="50" charset="-128"/>
+              </a:rPr>
+              <a:t>)</a:t>
+            </a:r>
+          </a:p>
+          <a:p>
+            <a:r>
+              <a:rPr lang="ja-JP" altLang="en-US" dirty="0">
+                <a:latin typeface="メイリオ" panose="020B0604030504040204" pitchFamily="50" charset="-128"/>
+                <a:ea typeface="メイリオ" panose="020B0604030504040204" pitchFamily="50" charset="-128"/>
+                <a:cs typeface="メイリオ" panose="020B0604030504040204" pitchFamily="50" charset="-128"/>
+              </a:rPr>
+              <a:t>　</a:t>
+            </a:r>
+            <a:r>
+              <a:rPr lang="ja-JP" altLang="en-US" dirty="0" smtClean="0">
+                <a:latin typeface="メイリオ" panose="020B0604030504040204" pitchFamily="50" charset="-128"/>
+                <a:ea typeface="メイリオ" panose="020B0604030504040204" pitchFamily="50" charset="-128"/>
+                <a:cs typeface="メイリオ" panose="020B0604030504040204" pitchFamily="50" charset="-128"/>
+              </a:rPr>
+              <a:t>　→湿度</a:t>
+            </a:r>
+            <a:r>
+              <a:rPr lang="en-US" altLang="ja-JP" dirty="0" smtClean="0">
+                <a:latin typeface="メイリオ" panose="020B0604030504040204" pitchFamily="50" charset="-128"/>
+                <a:ea typeface="メイリオ" panose="020B0604030504040204" pitchFamily="50" charset="-128"/>
+                <a:cs typeface="メイリオ" panose="020B0604030504040204" pitchFamily="50" charset="-128"/>
+              </a:rPr>
+              <a:t>(100</a:t>
+            </a:r>
+            <a:r>
+              <a:rPr lang="ja-JP" altLang="en-US" dirty="0" smtClean="0">
+                <a:latin typeface="メイリオ" panose="020B0604030504040204" pitchFamily="50" charset="-128"/>
+                <a:ea typeface="メイリオ" panose="020B0604030504040204" pitchFamily="50" charset="-128"/>
+                <a:cs typeface="メイリオ" panose="020B0604030504040204" pitchFamily="50" charset="-128"/>
+              </a:rPr>
+              <a:t>で正規化済み</a:t>
+            </a:r>
+            <a:r>
+              <a:rPr lang="en-US" altLang="ja-JP" dirty="0" smtClean="0">
+                <a:latin typeface="メイリオ" panose="020B0604030504040204" pitchFamily="50" charset="-128"/>
+                <a:ea typeface="メイリオ" panose="020B0604030504040204" pitchFamily="50" charset="-128"/>
+                <a:cs typeface="メイリオ" panose="020B0604030504040204" pitchFamily="50" charset="-128"/>
+              </a:rPr>
+              <a:t>)</a:t>
+            </a:r>
+          </a:p>
+        </p:txBody>
+      </p:sp>
+      <p:sp>
+        <p:nvSpPr>
+          <p:cNvPr id="6" name="テキスト ボックス 5"/>
+          <p:cNvSpPr txBox="1"/>
+          <p:nvPr/>
+        </p:nvSpPr>
+        <p:spPr>
+          <a:xfrm>
+            <a:off x="371885" y="2771636"/>
+            <a:ext cx="2165978" cy="369332"/>
+          </a:xfrm>
+          <a:prstGeom prst="rect">
+            <a:avLst/>
+          </a:prstGeom>
+          <a:noFill/>
+        </p:spPr>
+        <p:txBody>
+          <a:bodyPr wrap="none" rtlCol="0">
+            <a:spAutoFit/>
+          </a:bodyPr>
+          <a:lstStyle/>
+          <a:p>
+            <a:r>
+              <a:rPr lang="en-US" altLang="ja-JP" dirty="0" smtClean="0">
+                <a:latin typeface="メイリオ" panose="020B0604030504040204" pitchFamily="50" charset="-128"/>
+                <a:ea typeface="メイリオ" panose="020B0604030504040204" pitchFamily="50" charset="-128"/>
+                <a:cs typeface="メイリオ" panose="020B0604030504040204" pitchFamily="50" charset="-128"/>
+              </a:rPr>
+              <a:t>JSON</a:t>
+            </a:r>
+            <a:r>
+              <a:rPr lang="ja-JP" altLang="en-US" dirty="0" smtClean="0">
+                <a:latin typeface="メイリオ" panose="020B0604030504040204" pitchFamily="50" charset="-128"/>
+                <a:ea typeface="メイリオ" panose="020B0604030504040204" pitchFamily="50" charset="-128"/>
+                <a:cs typeface="メイリオ" panose="020B0604030504040204" pitchFamily="50" charset="-128"/>
+              </a:rPr>
+              <a:t>フォーマット</a:t>
+            </a:r>
+            <a:endParaRPr kumimoji="1" lang="ja-JP" altLang="en-US" dirty="0">
+              <a:latin typeface="メイリオ" panose="020B0604030504040204" pitchFamily="50" charset="-128"/>
+              <a:ea typeface="メイリオ" panose="020B0604030504040204" pitchFamily="50" charset="-128"/>
+              <a:cs typeface="メイリオ" panose="020B0604030504040204" pitchFamily="50" charset="-128"/>
+            </a:endParaRPr>
+          </a:p>
+        </p:txBody>
+      </p:sp>
+    </p:spTree>
+    <p:extLst>
+      <p:ext uri="{BB962C8B-B14F-4D97-AF65-F5344CB8AC3E}">
+        <p14:creationId xmlns:p14="http://schemas.microsoft.com/office/powerpoint/2010/main" val="3487800864"/>
       </p:ext>
     </p:extLst>
   </p:cSld>

--- a/02_Document/設計書/土壌センサー基本設計_2017.3.13.pptx
+++ b/02_Document/設計書/土壌センサー基本設計_2017.3.13.pptx
@@ -115,7 +115,7 @@
   </p:defaultTextStyle>
   <p:extLst>
     <p:ext uri="{EFAFB233-063F-42B5-8137-9DF3F51BA10A}">
-      <p15:sldGuideLst xmlns:p15="http://schemas.microsoft.com/office/powerpoint/2012/main">
+      <p15:sldGuideLst xmlns:p15="http://schemas.microsoft.com/office/powerpoint/2012/main" xmlns="">
         <p15:guide id="1" orient="horz" pos="2160">
           <p15:clr>
             <a:srgbClr val="A4A3A4"/>
@@ -133,25 +133,14 @@
 </file>
 
 <file path=ppt/charts/chart1.xml><?xml version="1.0" encoding="utf-8"?>
-<c:chartSpace xmlns:c="http://schemas.openxmlformats.org/drawingml/2006/chart" xmlns:a="http://schemas.openxmlformats.org/drawingml/2006/main" xmlns:r="http://schemas.openxmlformats.org/officeDocument/2006/relationships" xmlns:c16r2="http://schemas.microsoft.com/office/drawing/2015/06/chart">
-  <c:date1904 val="0"/>
+<c:chartSpace xmlns:c="http://schemas.openxmlformats.org/drawingml/2006/chart" xmlns:a="http://schemas.openxmlformats.org/drawingml/2006/main" xmlns:r="http://schemas.openxmlformats.org/officeDocument/2006/relationships">
   <c:lang val="ja-JP"/>
-  <c:roundedCorners val="0"/>
-  <mc:AlternateContent xmlns:mc="http://schemas.openxmlformats.org/markup-compatibility/2006">
-    <mc:Choice xmlns:c14="http://schemas.microsoft.com/office/drawing/2007/8/2/chart" Requires="c14">
-      <c14:style val="102"/>
-    </mc:Choice>
-    <mc:Fallback>
-      <c:style val="2"/>
-    </mc:Fallback>
-  </mc:AlternateContent>
   <c:chart>
     <c:autoTitleDeleted val="1"/>
     <c:plotArea>
       <c:layout/>
       <c:lineChart>
         <c:grouping val="standard"/>
-        <c:varyColors val="0"/>
         <c:ser>
           <c:idx val="1"/>
           <c:order val="0"/>
@@ -188,66 +177,49 @@
               </c:numCache>
             </c:numRef>
           </c:val>
-          <c:smooth val="0"/>
-          <c:extLst>
+          <c:extLst xmlns:c16r2="http://schemas.microsoft.com/office/drawing/2015/06/chart">
             <c:ext xmlns:c16="http://schemas.microsoft.com/office/drawing/2014/chart" uri="{C3380CC4-5D6E-409C-BE32-E72D297353CC}">
               <c16:uniqueId val="{00000000-85A9-49EE-9B8A-6675232D172D}"/>
             </c:ext>
           </c:extLst>
         </c:ser>
-        <c:dLbls>
-          <c:showLegendKey val="0"/>
-          <c:showVal val="0"/>
-          <c:showCatName val="0"/>
-          <c:showSerName val="0"/>
-          <c:showPercent val="0"/>
-          <c:showBubbleSize val="0"/>
-        </c:dLbls>
-        <c:smooth val="0"/>
-        <c:axId val="206120464"/>
-        <c:axId val="206121024"/>
+        <c:marker val="1"/>
+        <c:axId val="125211008"/>
+        <c:axId val="125212544"/>
       </c:lineChart>
       <c:catAx>
-        <c:axId val="206120464"/>
+        <c:axId val="125211008"/>
         <c:scaling>
           <c:orientation val="minMax"/>
         </c:scaling>
-        <c:delete val="0"/>
         <c:axPos val="b"/>
         <c:majorTickMark val="none"/>
-        <c:minorTickMark val="none"/>
         <c:tickLblPos val="nextTo"/>
-        <c:crossAx val="206121024"/>
+        <c:crossAx val="125212544"/>
         <c:crosses val="autoZero"/>
         <c:auto val="1"/>
         <c:lblAlgn val="ctr"/>
         <c:lblOffset val="100"/>
-        <c:noMultiLvlLbl val="0"/>
       </c:catAx>
       <c:valAx>
-        <c:axId val="206121024"/>
+        <c:axId val="125212544"/>
         <c:scaling>
           <c:orientation val="minMax"/>
           <c:max val="100"/>
         </c:scaling>
-        <c:delete val="0"/>
         <c:axPos val="l"/>
         <c:numFmt formatCode="General" sourceLinked="1"/>
         <c:majorTickMark val="none"/>
-        <c:minorTickMark val="none"/>
         <c:tickLblPos val="nextTo"/>
-        <c:crossAx val="206120464"/>
+        <c:crossAx val="125211008"/>
         <c:crosses val="autoZero"/>
         <c:crossBetween val="between"/>
       </c:valAx>
     </c:plotArea>
     <c:plotVisOnly val="1"/>
     <c:dispBlanksAs val="gap"/>
-    <c:showDLblsOverMax val="0"/>
   </c:chart>
-  <c:externalData r:id="rId1">
-    <c:autoUpdate val="0"/>
-  </c:externalData>
+  <c:externalData r:id="rId1"/>
 </c:chartSpace>
 </file>
 
@@ -2063,7 +2035,8 @@
           <a:p>
             <a:fld id="{76969DEE-DC68-48FF-954D-DEAE3079C717}" type="datetimeFigureOut">
               <a:rPr kumimoji="1" lang="ja-JP" altLang="en-US" smtClean="0"/>
-              <a:t>2017/6/1</a:t>
+              <a:pPr/>
+              <a:t>2017/6/3</a:t>
             </a:fld>
             <a:endParaRPr kumimoji="1" lang="ja-JP" altLang="en-US"/>
           </a:p>
@@ -2105,7 +2078,8 @@
           <a:p>
             <a:fld id="{695CC681-BDBF-4AAA-8BB0-04D46570F474}" type="slidenum">
               <a:rPr kumimoji="1" lang="ja-JP" altLang="en-US" smtClean="0"/>
-              <a:t>‹#›</a:t>
+              <a:pPr/>
+              <a:t>&lt;#&gt;</a:t>
             </a:fld>
             <a:endParaRPr kumimoji="1" lang="ja-JP" altLang="en-US"/>
           </a:p>
@@ -2276,7 +2250,8 @@
           <a:p>
             <a:fld id="{76969DEE-DC68-48FF-954D-DEAE3079C717}" type="datetimeFigureOut">
               <a:rPr kumimoji="1" lang="ja-JP" altLang="en-US" smtClean="0"/>
-              <a:t>2017/6/1</a:t>
+              <a:pPr/>
+              <a:t>2017/6/3</a:t>
             </a:fld>
             <a:endParaRPr kumimoji="1" lang="ja-JP" altLang="en-US"/>
           </a:p>
@@ -2318,7 +2293,8 @@
           <a:p>
             <a:fld id="{695CC681-BDBF-4AAA-8BB0-04D46570F474}" type="slidenum">
               <a:rPr kumimoji="1" lang="ja-JP" altLang="en-US" smtClean="0"/>
-              <a:t>‹#›</a:t>
+              <a:pPr/>
+              <a:t>&lt;#&gt;</a:t>
             </a:fld>
             <a:endParaRPr kumimoji="1" lang="ja-JP" altLang="en-US"/>
           </a:p>
@@ -2427,7 +2403,8 @@
           <a:p>
             <a:fld id="{76969DEE-DC68-48FF-954D-DEAE3079C717}" type="datetimeFigureOut">
               <a:rPr kumimoji="1" lang="ja-JP" altLang="en-US" smtClean="0"/>
-              <a:t>2017/6/1</a:t>
+              <a:pPr/>
+              <a:t>2017/6/3</a:t>
             </a:fld>
             <a:endParaRPr kumimoji="1" lang="ja-JP" altLang="en-US"/>
           </a:p>
@@ -2469,7 +2446,8 @@
           <a:p>
             <a:fld id="{695CC681-BDBF-4AAA-8BB0-04D46570F474}" type="slidenum">
               <a:rPr kumimoji="1" lang="ja-JP" altLang="en-US" smtClean="0"/>
-              <a:t>‹#›</a:t>
+              <a:pPr/>
+              <a:t>&lt;#&gt;</a:t>
             </a:fld>
             <a:endParaRPr kumimoji="1" lang="ja-JP" altLang="en-US"/>
           </a:p>
@@ -4317,7 +4295,8 @@
           <a:p>
             <a:fld id="{76969DEE-DC68-48FF-954D-DEAE3079C717}" type="datetimeFigureOut">
               <a:rPr kumimoji="1" lang="ja-JP" altLang="en-US" smtClean="0"/>
-              <a:t>2017/6/1</a:t>
+              <a:pPr/>
+              <a:t>2017/6/3</a:t>
             </a:fld>
             <a:endParaRPr kumimoji="1" lang="ja-JP" altLang="en-US"/>
           </a:p>
@@ -4359,7 +4338,8 @@
           <a:p>
             <a:fld id="{695CC681-BDBF-4AAA-8BB0-04D46570F474}" type="slidenum">
               <a:rPr kumimoji="1" lang="ja-JP" altLang="en-US" smtClean="0"/>
-              <a:t>‹#›</a:t>
+              <a:pPr/>
+              <a:t>&lt;#&gt;</a:t>
             </a:fld>
             <a:endParaRPr kumimoji="1" lang="ja-JP" altLang="en-US"/>
           </a:p>
@@ -6187,7 +6167,8 @@
           <a:p>
             <a:fld id="{76969DEE-DC68-48FF-954D-DEAE3079C717}" type="datetimeFigureOut">
               <a:rPr kumimoji="1" lang="ja-JP" altLang="en-US" smtClean="0"/>
-              <a:t>2017/6/1</a:t>
+              <a:pPr/>
+              <a:t>2017/6/3</a:t>
             </a:fld>
             <a:endParaRPr kumimoji="1" lang="ja-JP" altLang="en-US"/>
           </a:p>
@@ -6229,7 +6210,8 @@
           <a:p>
             <a:fld id="{695CC681-BDBF-4AAA-8BB0-04D46570F474}" type="slidenum">
               <a:rPr kumimoji="1" lang="ja-JP" altLang="en-US" smtClean="0"/>
-              <a:t>‹#›</a:t>
+              <a:pPr/>
+              <a:t>&lt;#&gt;</a:t>
             </a:fld>
             <a:endParaRPr kumimoji="1" lang="ja-JP" altLang="en-US"/>
           </a:p>
@@ -6300,7 +6282,8 @@
           <a:p>
             <a:fld id="{76969DEE-DC68-48FF-954D-DEAE3079C717}" type="datetimeFigureOut">
               <a:rPr kumimoji="1" lang="ja-JP" altLang="en-US" smtClean="0"/>
-              <a:t>2017/6/1</a:t>
+              <a:pPr/>
+              <a:t>2017/6/3</a:t>
             </a:fld>
             <a:endParaRPr kumimoji="1" lang="ja-JP" altLang="en-US"/>
           </a:p>
@@ -6342,7 +6325,8 @@
           <a:p>
             <a:fld id="{695CC681-BDBF-4AAA-8BB0-04D46570F474}" type="slidenum">
               <a:rPr kumimoji="1" lang="ja-JP" altLang="en-US" smtClean="0"/>
-              <a:t>‹#›</a:t>
+              <a:pPr/>
+              <a:t>&lt;#&gt;</a:t>
             </a:fld>
             <a:endParaRPr kumimoji="1" lang="ja-JP" altLang="en-US"/>
           </a:p>
@@ -6969,7 +6953,8 @@
           <a:p>
             <a:fld id="{76969DEE-DC68-48FF-954D-DEAE3079C717}" type="datetimeFigureOut">
               <a:rPr kumimoji="1" lang="ja-JP" altLang="en-US" smtClean="0"/>
-              <a:t>2017/6/1</a:t>
+              <a:pPr/>
+              <a:t>2017/6/3</a:t>
             </a:fld>
             <a:endParaRPr kumimoji="1" lang="ja-JP" altLang="en-US"/>
           </a:p>
@@ -7011,7 +6996,8 @@
           <a:p>
             <a:fld id="{695CC681-BDBF-4AAA-8BB0-04D46570F474}" type="slidenum">
               <a:rPr kumimoji="1" lang="ja-JP" altLang="en-US" smtClean="0"/>
-              <a:t>‹#›</a:t>
+              <a:pPr/>
+              <a:t>&lt;#&gt;</a:t>
             </a:fld>
             <a:endParaRPr kumimoji="1" lang="ja-JP" altLang="en-US"/>
           </a:p>
@@ -7082,7 +7068,8 @@
           <a:p>
             <a:fld id="{76969DEE-DC68-48FF-954D-DEAE3079C717}" type="datetimeFigureOut">
               <a:rPr kumimoji="1" lang="ja-JP" altLang="en-US" smtClean="0"/>
-              <a:t>2017/6/1</a:t>
+              <a:pPr/>
+              <a:t>2017/6/3</a:t>
             </a:fld>
             <a:endParaRPr kumimoji="1" lang="ja-JP" altLang="en-US"/>
           </a:p>
@@ -7124,7 +7111,8 @@
           <a:p>
             <a:fld id="{695CC681-BDBF-4AAA-8BB0-04D46570F474}" type="slidenum">
               <a:rPr kumimoji="1" lang="ja-JP" altLang="en-US" smtClean="0"/>
-              <a:t>‹#›</a:t>
+              <a:pPr/>
+              <a:t>&lt;#&gt;</a:t>
             </a:fld>
             <a:endParaRPr kumimoji="1" lang="ja-JP" altLang="en-US"/>
           </a:p>
@@ -8793,7 +8781,8 @@
           <a:p>
             <a:fld id="{76969DEE-DC68-48FF-954D-DEAE3079C717}" type="datetimeFigureOut">
               <a:rPr kumimoji="1" lang="ja-JP" altLang="en-US" smtClean="0"/>
-              <a:t>2017/6/1</a:t>
+              <a:pPr/>
+              <a:t>2017/6/3</a:t>
             </a:fld>
             <a:endParaRPr kumimoji="1" lang="ja-JP" altLang="en-US"/>
           </a:p>
@@ -8835,7 +8824,8 @@
           <a:p>
             <a:fld id="{695CC681-BDBF-4AAA-8BB0-04D46570F474}" type="slidenum">
               <a:rPr kumimoji="1" lang="ja-JP" altLang="en-US" smtClean="0"/>
-              <a:t>‹#›</a:t>
+              <a:pPr/>
+              <a:t>&lt;#&gt;</a:t>
             </a:fld>
             <a:endParaRPr kumimoji="1" lang="ja-JP" altLang="en-US"/>
           </a:p>
@@ -8944,7 +8934,8 @@
           <a:p>
             <a:fld id="{76969DEE-DC68-48FF-954D-DEAE3079C717}" type="datetimeFigureOut">
               <a:rPr kumimoji="1" lang="ja-JP" altLang="en-US" smtClean="0"/>
-              <a:t>2017/6/1</a:t>
+              <a:pPr/>
+              <a:t>2017/6/3</a:t>
             </a:fld>
             <a:endParaRPr kumimoji="1" lang="ja-JP" altLang="en-US"/>
           </a:p>
@@ -8986,7 +8977,8 @@
           <a:p>
             <a:fld id="{695CC681-BDBF-4AAA-8BB0-04D46570F474}" type="slidenum">
               <a:rPr kumimoji="1" lang="ja-JP" altLang="en-US" smtClean="0"/>
-              <a:t>‹#›</a:t>
+              <a:pPr/>
+              <a:t>&lt;#&gt;</a:t>
             </a:fld>
             <a:endParaRPr kumimoji="1" lang="ja-JP" altLang="en-US"/>
           </a:p>
@@ -12591,7 +12583,8 @@
           <a:p>
             <a:fld id="{76969DEE-DC68-48FF-954D-DEAE3079C717}" type="datetimeFigureOut">
               <a:rPr kumimoji="1" lang="ja-JP" altLang="en-US" smtClean="0"/>
-              <a:t>2017/6/1</a:t>
+              <a:pPr/>
+              <a:t>2017/6/3</a:t>
             </a:fld>
             <a:endParaRPr kumimoji="1" lang="ja-JP" altLang="en-US"/>
           </a:p>
@@ -12633,7 +12626,8 @@
           <a:p>
             <a:fld id="{695CC681-BDBF-4AAA-8BB0-04D46570F474}" type="slidenum">
               <a:rPr kumimoji="1" lang="ja-JP" altLang="en-US" smtClean="0"/>
-              <a:t>‹#›</a:t>
+              <a:pPr/>
+              <a:t>&lt;#&gt;</a:t>
             </a:fld>
             <a:endParaRPr kumimoji="1" lang="ja-JP" altLang="en-US"/>
           </a:p>
@@ -14450,7 +14444,8 @@
           <a:p>
             <a:fld id="{76969DEE-DC68-48FF-954D-DEAE3079C717}" type="datetimeFigureOut">
               <a:rPr kumimoji="1" lang="ja-JP" altLang="en-US" smtClean="0"/>
-              <a:t>2017/6/1</a:t>
+              <a:pPr/>
+              <a:t>2017/6/3</a:t>
             </a:fld>
             <a:endParaRPr kumimoji="1" lang="ja-JP" altLang="en-US"/>
           </a:p>
@@ -14524,7 +14519,8 @@
           <a:p>
             <a:fld id="{695CC681-BDBF-4AAA-8BB0-04D46570F474}" type="slidenum">
               <a:rPr kumimoji="1" lang="ja-JP" altLang="en-US" smtClean="0"/>
-              <a:t>‹#›</a:t>
+              <a:pPr/>
+              <a:t>&lt;#&gt;</a:t>
             </a:fld>
             <a:endParaRPr kumimoji="1" lang="ja-JP" altLang="en-US"/>
           </a:p>
@@ -15037,7 +15033,7 @@
     </p:spTree>
     <p:extLst>
       <p:ext uri="{BB962C8B-B14F-4D97-AF65-F5344CB8AC3E}">
-        <p14:creationId xmlns:p14="http://schemas.microsoft.com/office/powerpoint/2010/main" val="1058320130"/>
+        <p14:creationId xmlns:p14="http://schemas.microsoft.com/office/powerpoint/2010/main" xmlns="" val="1058320130"/>
       </p:ext>
     </p:extLst>
   </p:cSld>
@@ -15206,18 +15202,11 @@
           <a:lstStyle/>
           <a:p>
             <a:r>
-              <a:rPr lang="en-US" altLang="ja-JP" sz="1400" dirty="0">
-                <a:latin typeface="ＭＳ ゴシック" panose="020B0609070205080204" pitchFamily="49" charset="-128"/>
-                <a:ea typeface="ＭＳ ゴシック" panose="020B0609070205080204" pitchFamily="49" charset="-128"/>
-              </a:rPr>
-              <a:t>http</a:t>
-            </a:r>
-            <a:r>
               <a:rPr lang="en-US" altLang="ja-JP" sz="1400" dirty="0" smtClean="0">
                 <a:latin typeface="ＭＳ ゴシック" panose="020B0609070205080204" pitchFamily="49" charset="-128"/>
                 <a:ea typeface="ＭＳ ゴシック" panose="020B0609070205080204" pitchFamily="49" charset="-128"/>
               </a:rPr>
-              <a:t>://xxxxx/humidity</a:t>
+              <a:t>http://xxxxx/humidity</a:t>
             </a:r>
             <a:endParaRPr kumimoji="1" lang="ja-JP" altLang="en-US" sz="1400" dirty="0">
               <a:latin typeface="ＭＳ ゴシック" panose="020B0609070205080204" pitchFamily="49" charset="-128"/>
@@ -15605,11 +15594,6 @@
               </a:rPr>
               <a:t>))</a:t>
             </a:r>
-            <a:endParaRPr lang="en-US" altLang="ja-JP" dirty="0" smtClean="0">
-              <a:latin typeface="メイリオ" panose="020B0604030504040204" pitchFamily="50" charset="-128"/>
-              <a:ea typeface="メイリオ" panose="020B0604030504040204" pitchFamily="50" charset="-128"/>
-              <a:cs typeface="メイリオ" panose="020B0604030504040204" pitchFamily="50" charset="-128"/>
-            </a:endParaRPr>
           </a:p>
           <a:p>
             <a:r>
@@ -15730,7 +15714,7 @@
     </p:spTree>
     <p:extLst>
       <p:ext uri="{BB962C8B-B14F-4D97-AF65-F5344CB8AC3E}">
-        <p14:creationId xmlns:p14="http://schemas.microsoft.com/office/powerpoint/2010/main" val="2121087843"/>
+        <p14:creationId xmlns:p14="http://schemas.microsoft.com/office/powerpoint/2010/main" xmlns="" val="2121087843"/>
       </p:ext>
     </p:extLst>
   </p:cSld>
@@ -15812,7 +15796,7 @@
           <a:blip r:embed="rId2" cstate="print">
             <a:extLst>
               <a:ext uri="{28A0092B-C50C-407E-A947-70E740481C1C}">
-                <a14:useLocalDpi xmlns:a14="http://schemas.microsoft.com/office/drawing/2010/main" val="0"/>
+                <a14:useLocalDpi xmlns:a14="http://schemas.microsoft.com/office/drawing/2010/main" xmlns="" val="0"/>
               </a:ext>
             </a:extLst>
           </a:blip>
@@ -15832,7 +15816,7 @@
           <a:noFill/>
           <a:extLst>
             <a:ext uri="{909E8E84-426E-40DD-AFC4-6F175D3DCCD1}">
-              <a14:hiddenFill xmlns:a14="http://schemas.microsoft.com/office/drawing/2010/main">
+              <a14:hiddenFill xmlns:a14="http://schemas.microsoft.com/office/drawing/2010/main" xmlns="">
                 <a:solidFill>
                   <a:srgbClr val="FFFFFF"/>
                 </a:solidFill>
@@ -16480,7 +16464,7 @@
     </p:spTree>
     <p:extLst>
       <p:ext uri="{BB962C8B-B14F-4D97-AF65-F5344CB8AC3E}">
-        <p14:creationId xmlns:p14="http://schemas.microsoft.com/office/powerpoint/2010/main" val="831943185"/>
+        <p14:creationId xmlns:p14="http://schemas.microsoft.com/office/powerpoint/2010/main" xmlns="" val="831943185"/>
       </p:ext>
     </p:extLst>
   </p:cSld>
@@ -16562,7 +16546,7 @@
           <a:blip r:embed="rId2" cstate="print">
             <a:extLst>
               <a:ext uri="{28A0092B-C50C-407E-A947-70E740481C1C}">
-                <a14:useLocalDpi xmlns:a14="http://schemas.microsoft.com/office/drawing/2010/main" val="0"/>
+                <a14:useLocalDpi xmlns:a14="http://schemas.microsoft.com/office/drawing/2010/main" xmlns="" val="0"/>
               </a:ext>
             </a:extLst>
           </a:blip>
@@ -16582,7 +16566,7 @@
           <a:noFill/>
           <a:extLst>
             <a:ext uri="{909E8E84-426E-40DD-AFC4-6F175D3DCCD1}">
-              <a14:hiddenFill xmlns:a14="http://schemas.microsoft.com/office/drawing/2010/main">
+              <a14:hiddenFill xmlns:a14="http://schemas.microsoft.com/office/drawing/2010/main" xmlns="">
                 <a:solidFill>
                   <a:srgbClr val="FFFFFF"/>
                 </a:solidFill>
@@ -17300,7 +17284,7 @@
     </p:spTree>
     <p:extLst>
       <p:ext uri="{BB962C8B-B14F-4D97-AF65-F5344CB8AC3E}">
-        <p14:creationId xmlns:p14="http://schemas.microsoft.com/office/powerpoint/2010/main" val="3869049408"/>
+        <p14:creationId xmlns:p14="http://schemas.microsoft.com/office/powerpoint/2010/main" xmlns="" val="3869049408"/>
       </p:ext>
     </p:extLst>
   </p:cSld>
@@ -17571,7 +17555,7 @@
     </p:spTree>
     <p:extLst>
       <p:ext uri="{BB962C8B-B14F-4D97-AF65-F5344CB8AC3E}">
-        <p14:creationId xmlns:p14="http://schemas.microsoft.com/office/powerpoint/2010/main" val="882470701"/>
+        <p14:creationId xmlns:p14="http://schemas.microsoft.com/office/powerpoint/2010/main" xmlns="" val="882470701"/>
       </p:ext>
     </p:extLst>
   </p:cSld>
@@ -17653,7 +17637,7 @@
           <a:blip r:embed="rId2" cstate="print">
             <a:extLst>
               <a:ext uri="{28A0092B-C50C-407E-A947-70E740481C1C}">
-                <a14:useLocalDpi xmlns:a14="http://schemas.microsoft.com/office/drawing/2010/main" val="0"/>
+                <a14:useLocalDpi xmlns:a14="http://schemas.microsoft.com/office/drawing/2010/main" xmlns="" val="0"/>
               </a:ext>
             </a:extLst>
           </a:blip>
@@ -17673,7 +17657,7 @@
           <a:noFill/>
           <a:extLst>
             <a:ext uri="{909E8E84-426E-40DD-AFC4-6F175D3DCCD1}">
-              <a14:hiddenFill xmlns:a14="http://schemas.microsoft.com/office/drawing/2010/main">
+              <a14:hiddenFill xmlns:a14="http://schemas.microsoft.com/office/drawing/2010/main" xmlns="">
                 <a:solidFill>
                   <a:srgbClr val="FFFFFF"/>
                 </a:solidFill>
@@ -18325,7 +18309,7 @@
     </p:spTree>
     <p:extLst>
       <p:ext uri="{BB962C8B-B14F-4D97-AF65-F5344CB8AC3E}">
-        <p14:creationId xmlns:p14="http://schemas.microsoft.com/office/powerpoint/2010/main" val="436367242"/>
+        <p14:creationId xmlns:p14="http://schemas.microsoft.com/office/powerpoint/2010/main" xmlns="" val="436367242"/>
       </p:ext>
     </p:extLst>
   </p:cSld>
@@ -18723,7 +18707,7 @@
     </p:spTree>
     <p:extLst>
       <p:ext uri="{BB962C8B-B14F-4D97-AF65-F5344CB8AC3E}">
-        <p14:creationId xmlns:p14="http://schemas.microsoft.com/office/powerpoint/2010/main" val="4038304449"/>
+        <p14:creationId xmlns:p14="http://schemas.microsoft.com/office/powerpoint/2010/main" xmlns="" val="4038304449"/>
       </p:ext>
     </p:extLst>
   </p:cSld>
@@ -19329,7 +19313,7 @@
     </p:spTree>
     <p:extLst>
       <p:ext uri="{BB962C8B-B14F-4D97-AF65-F5344CB8AC3E}">
-        <p14:creationId xmlns:p14="http://schemas.microsoft.com/office/powerpoint/2010/main" val="3709740268"/>
+        <p14:creationId xmlns:p14="http://schemas.microsoft.com/office/powerpoint/2010/main" xmlns="" val="3709740268"/>
       </p:ext>
     </p:extLst>
   </p:cSld>
@@ -19464,7 +19448,7 @@
           <p:nvPr>
             <p:extLst>
               <p:ext uri="{D42A27DB-BD31-4B8C-83A1-F6EECF244321}">
-                <p14:modId xmlns:p14="http://schemas.microsoft.com/office/powerpoint/2010/main" val="3728649454"/>
+                <p14:modId xmlns:p14="http://schemas.microsoft.com/office/powerpoint/2010/main" xmlns="" val="3728649454"/>
               </p:ext>
             </p:extLst>
           </p:nvPr>
@@ -20000,7 +19984,7 @@
     </p:spTree>
     <p:extLst>
       <p:ext uri="{BB962C8B-B14F-4D97-AF65-F5344CB8AC3E}">
-        <p14:creationId xmlns:p14="http://schemas.microsoft.com/office/powerpoint/2010/main" val="1692584055"/>
+        <p14:creationId xmlns:p14="http://schemas.microsoft.com/office/powerpoint/2010/main" xmlns="" val="1692584055"/>
       </p:ext>
     </p:extLst>
   </p:cSld>
@@ -20150,7 +20134,7 @@
         <p:spPr>
           <a:xfrm>
             <a:off x="371885" y="3140968"/>
-            <a:ext cx="4632163" cy="3539430"/>
+            <a:ext cx="4632163" cy="3323987"/>
           </a:xfrm>
           <a:prstGeom prst="rect">
             <a:avLst/>
@@ -20289,330 +20273,227 @@
                 <a:latin typeface="ＭＳ ゴシック" panose="020B0609070205080204" pitchFamily="49" charset="-128"/>
                 <a:ea typeface="ＭＳ ゴシック" panose="020B0609070205080204" pitchFamily="49" charset="-128"/>
               </a:rPr>
-              <a:t>(2)</a:t>
-            </a:r>
-          </a:p>
-          <a:p>
+              <a:t>(2</a:t>
+            </a:r>
+            <a:r>
+              <a:rPr lang="en-US" altLang="ja-JP" sz="1400" dirty="0" smtClean="0">
+                <a:latin typeface="ＭＳ ゴシック" panose="020B0609070205080204" pitchFamily="49" charset="-128"/>
+                <a:ea typeface="ＭＳ ゴシック" panose="020B0609070205080204" pitchFamily="49" charset="-128"/>
+              </a:rPr>
+              <a:t>)</a:t>
+            </a:r>
+            <a:endParaRPr lang="en-US" altLang="ja-JP" sz="1400" dirty="0">
+              <a:latin typeface="ＭＳ ゴシック" panose="020B0609070205080204" pitchFamily="49" charset="-128"/>
+              <a:ea typeface="ＭＳ ゴシック" panose="020B0609070205080204" pitchFamily="49" charset="-128"/>
+            </a:endParaRPr>
+          </a:p>
+          <a:p>
+            <a:r>
+              <a:rPr lang="en-US" altLang="ja-JP" sz="1400" dirty="0" smtClean="0">
+                <a:latin typeface="ＭＳ ゴシック" panose="020B0609070205080204" pitchFamily="49" charset="-128"/>
+                <a:ea typeface="ＭＳ ゴシック" panose="020B0609070205080204" pitchFamily="49" charset="-128"/>
+              </a:rPr>
+              <a:t>    "day": [</a:t>
+            </a:r>
+          </a:p>
+          <a:p>
+            <a:r>
+              <a:rPr lang="en-US" altLang="ja-JP" sz="1400" dirty="0" smtClean="0">
+                <a:latin typeface="ＭＳ ゴシック" panose="020B0609070205080204" pitchFamily="49" charset="-128"/>
+                <a:ea typeface="ＭＳ ゴシック" panose="020B0609070205080204" pitchFamily="49" charset="-128"/>
+              </a:rPr>
+              <a:t>      {</a:t>
+            </a:r>
+          </a:p>
+          <a:p>
+            <a:r>
+              <a:rPr lang="en-US" altLang="ja-JP" sz="1400" dirty="0" smtClean="0">
+                <a:latin typeface="ＭＳ ゴシック" panose="020B0609070205080204" pitchFamily="49" charset="-128"/>
+                <a:ea typeface="ＭＳ ゴシック" panose="020B0609070205080204" pitchFamily="49" charset="-128"/>
+              </a:rPr>
+              <a:t>        "date": </a:t>
+            </a:r>
+            <a:r>
+              <a:rPr lang="ja-JP" altLang="en-US" sz="1400" dirty="0" smtClean="0">
+                <a:latin typeface="ＭＳ ゴシック" panose="020B0609070205080204" pitchFamily="49" charset="-128"/>
+                <a:ea typeface="ＭＳ ゴシック" panose="020B0609070205080204" pitchFamily="49" charset="-128"/>
+              </a:rPr>
+              <a:t>日付</a:t>
+            </a:r>
             <a:r>
               <a:rPr lang="en-US" altLang="ja-JP" sz="1400" dirty="0">
                 <a:latin typeface="ＭＳ ゴシック" panose="020B0609070205080204" pitchFamily="49" charset="-128"/>
                 <a:ea typeface="ＭＳ ゴシック" panose="020B0609070205080204" pitchFamily="49" charset="-128"/>
               </a:rPr>
-              <a:t>    "</a:t>
+              <a:t>(</a:t>
             </a:r>
             <a:r>
               <a:rPr lang="en-US" altLang="ja-JP" sz="1400" dirty="0" err="1">
                 <a:latin typeface="ＭＳ ゴシック" panose="020B0609070205080204" pitchFamily="49" charset="-128"/>
                 <a:ea typeface="ＭＳ ゴシック" panose="020B0609070205080204" pitchFamily="49" charset="-128"/>
               </a:rPr>
-              <a:t>standard_time</a:t>
+              <a:t>yyyy</a:t>
             </a:r>
             <a:r>
               <a:rPr lang="en-US" altLang="ja-JP" sz="1400" dirty="0">
                 <a:latin typeface="ＭＳ ゴシック" panose="020B0609070205080204" pitchFamily="49" charset="-128"/>
                 <a:ea typeface="ＭＳ ゴシック" panose="020B0609070205080204" pitchFamily="49" charset="-128"/>
               </a:rPr>
-              <a:t>": </a:t>
-            </a:r>
-            <a:r>
-              <a:rPr lang="ja-JP" altLang="en-US" sz="1400" dirty="0">
+              <a:t>/mm/</a:t>
+            </a:r>
+            <a:r>
+              <a:rPr lang="en-US" altLang="ja-JP" sz="1400" dirty="0" err="1">
                 <a:latin typeface="ＭＳ ゴシック" panose="020B0609070205080204" pitchFamily="49" charset="-128"/>
                 <a:ea typeface="ＭＳ ゴシック" panose="020B0609070205080204" pitchFamily="49" charset="-128"/>
               </a:rPr>
-              <a:t>規定時刻 </a:t>
+              <a:t>dd</a:t>
             </a:r>
             <a:r>
               <a:rPr lang="en-US" altLang="ja-JP" sz="1400" dirty="0">
                 <a:latin typeface="ＭＳ ゴシック" panose="020B0609070205080204" pitchFamily="49" charset="-128"/>
                 <a:ea typeface="ＭＳ ゴシック" panose="020B0609070205080204" pitchFamily="49" charset="-128"/>
               </a:rPr>
-              <a:t>(</a:t>
-            </a:r>
-            <a:r>
-              <a:rPr lang="en-US" altLang="ja-JP" sz="1400" dirty="0" err="1">
-                <a:latin typeface="ＭＳ ゴシック" panose="020B0609070205080204" pitchFamily="49" charset="-128"/>
-                <a:ea typeface="ＭＳ ゴシック" panose="020B0609070205080204" pitchFamily="49" charset="-128"/>
-              </a:rPr>
-              <a:t>hh:mm</a:t>
-            </a:r>
+              <a:t>),</a:t>
+            </a:r>
+          </a:p>
+          <a:p>
             <a:r>
               <a:rPr lang="en-US" altLang="ja-JP" sz="1400" dirty="0">
                 <a:latin typeface="ＭＳ ゴシック" panose="020B0609070205080204" pitchFamily="49" charset="-128"/>
                 <a:ea typeface="ＭＳ ゴシック" panose="020B0609070205080204" pitchFamily="49" charset="-128"/>
               </a:rPr>
-              <a:t>)</a:t>
-            </a:r>
-          </a:p>
-          <a:p>
-            <a:r>
-              <a:rPr lang="en-US" altLang="ja-JP" sz="1400" dirty="0">
+              <a:t>        </a:t>
+            </a:r>
+            <a:r>
+              <a:rPr lang="en-US" altLang="ja-JP" sz="1400" dirty="0" smtClean="0">
                 <a:latin typeface="ＭＳ ゴシック" panose="020B0609070205080204" pitchFamily="49" charset="-128"/>
                 <a:ea typeface="ＭＳ ゴシック" panose="020B0609070205080204" pitchFamily="49" charset="-128"/>
               </a:rPr>
-              <a:t>    "</a:t>
-            </a:r>
-            <a:r>
-              <a:rPr lang="en-US" altLang="ja-JP" sz="1400" dirty="0" err="1">
+              <a:t>"</a:t>
+            </a:r>
+            <a:r>
+              <a:rPr lang="en-US" altLang="ja-JP" sz="1400" dirty="0" err="1" smtClean="0">
                 <a:latin typeface="ＭＳ ゴシック" panose="020B0609070205080204" pitchFamily="49" charset="-128"/>
                 <a:ea typeface="ＭＳ ゴシック" panose="020B0609070205080204" pitchFamily="49" charset="-128"/>
               </a:rPr>
-              <a:t>week_data</a:t>
-            </a:r>
-            <a:r>
-              <a:rPr lang="en-US" altLang="ja-JP" sz="1400" dirty="0">
+              <a:t>humidityinfo</a:t>
+            </a:r>
+            <a:r>
+              <a:rPr lang="en-US" altLang="ja-JP" sz="1400" dirty="0" smtClean="0">
                 <a:latin typeface="ＭＳ ゴシック" panose="020B0609070205080204" pitchFamily="49" charset="-128"/>
                 <a:ea typeface="ＭＳ ゴシック" panose="020B0609070205080204" pitchFamily="49" charset="-128"/>
               </a:rPr>
-              <a:t>": {</a:t>
-            </a:r>
-          </a:p>
-          <a:p>
-            <a:r>
-              <a:rPr lang="en-US" altLang="ja-JP" sz="1400" dirty="0">
+              <a:t>": [</a:t>
+            </a:r>
+          </a:p>
+          <a:p>
+            <a:r>
+              <a:rPr lang="en-US" altLang="ja-JP" sz="1400" dirty="0" smtClean="0">
                 <a:latin typeface="ＭＳ ゴシック" panose="020B0609070205080204" pitchFamily="49" charset="-128"/>
                 <a:ea typeface="ＭＳ ゴシック" panose="020B0609070205080204" pitchFamily="49" charset="-128"/>
               </a:rPr>
-              <a:t>        "day1": {</a:t>
-            </a:r>
-          </a:p>
-          <a:p>
-            <a:r>
-              <a:rPr lang="en-US" altLang="ja-JP" sz="1400" dirty="0">
+              <a:t>           {</a:t>
+            </a:r>
+          </a:p>
+          <a:p>
+            <a:r>
+              <a:rPr lang="en-US" altLang="ja-JP" sz="1400" dirty="0" smtClean="0">
                 <a:latin typeface="ＭＳ ゴシック" panose="020B0609070205080204" pitchFamily="49" charset="-128"/>
                 <a:ea typeface="ＭＳ ゴシック" panose="020B0609070205080204" pitchFamily="49" charset="-128"/>
               </a:rPr>
-              <a:t>            "data": </a:t>
-            </a:r>
-            <a:r>
-              <a:rPr lang="ja-JP" altLang="en-US" sz="1400" dirty="0">
+              <a:t>             "time": </a:t>
+            </a:r>
+            <a:r>
+              <a:rPr lang="ja-JP" altLang="en-US" sz="1400" dirty="0" smtClean="0">
                 <a:latin typeface="ＭＳ ゴシック" panose="020B0609070205080204" pitchFamily="49" charset="-128"/>
                 <a:ea typeface="ＭＳ ゴシック" panose="020B0609070205080204" pitchFamily="49" charset="-128"/>
               </a:rPr>
-              <a:t>日付</a:t>
-            </a:r>
-            <a:r>
-              <a:rPr lang="en-US" altLang="ja-JP" sz="1400" dirty="0">
+              <a:t>時刻</a:t>
+            </a:r>
+            <a:r>
+              <a:rPr lang="en-US" altLang="ja-JP" sz="1400" dirty="0" smtClean="0">
                 <a:latin typeface="ＭＳ ゴシック" panose="020B0609070205080204" pitchFamily="49" charset="-128"/>
                 <a:ea typeface="ＭＳ ゴシック" panose="020B0609070205080204" pitchFamily="49" charset="-128"/>
               </a:rPr>
-              <a:t>(</a:t>
-            </a:r>
-            <a:r>
-              <a:rPr lang="en-US" altLang="ja-JP" sz="1400" dirty="0" err="1">
+              <a:t>(HH)</a:t>
+            </a:r>
+          </a:p>
+          <a:p>
+            <a:r>
+              <a:rPr lang="en-US" altLang="ja-JP" sz="1400" dirty="0" smtClean="0">
                 <a:latin typeface="ＭＳ ゴシック" panose="020B0609070205080204" pitchFamily="49" charset="-128"/>
                 <a:ea typeface="ＭＳ ゴシック" panose="020B0609070205080204" pitchFamily="49" charset="-128"/>
               </a:rPr>
-              <a:t>yyyy</a:t>
-            </a:r>
-            <a:r>
-              <a:rPr lang="en-US" altLang="ja-JP" sz="1400" dirty="0">
+              <a:t>             "humidity": </a:t>
+            </a:r>
+            <a:r>
+              <a:rPr lang="ja-JP" altLang="en-US" sz="1400" dirty="0" smtClean="0">
                 <a:latin typeface="ＭＳ ゴシック" panose="020B0609070205080204" pitchFamily="49" charset="-128"/>
                 <a:ea typeface="ＭＳ ゴシック" panose="020B0609070205080204" pitchFamily="49" charset="-128"/>
               </a:rPr>
-              <a:t>/mm/</a:t>
-            </a:r>
-            <a:r>
-              <a:rPr lang="en-US" altLang="ja-JP" sz="1400" dirty="0" err="1">
+              <a:t>湿度</a:t>
+            </a:r>
+            <a:r>
+              <a:rPr lang="en-US" altLang="ja-JP" sz="1400" dirty="0" smtClean="0">
                 <a:latin typeface="ＭＳ ゴシック" panose="020B0609070205080204" pitchFamily="49" charset="-128"/>
                 <a:ea typeface="ＭＳ ゴシック" panose="020B0609070205080204" pitchFamily="49" charset="-128"/>
               </a:rPr>
-              <a:t>dd</a:t>
-            </a:r>
-            <a:r>
-              <a:rPr lang="en-US" altLang="ja-JP" sz="1400" dirty="0">
+              <a:t>(100</a:t>
+            </a:r>
+            <a:r>
+              <a:rPr lang="ja-JP" altLang="en-US" sz="1400" dirty="0" smtClean="0">
                 <a:latin typeface="ＭＳ ゴシック" panose="020B0609070205080204" pitchFamily="49" charset="-128"/>
                 <a:ea typeface="ＭＳ ゴシック" panose="020B0609070205080204" pitchFamily="49" charset="-128"/>
               </a:rPr>
-              <a:t>),</a:t>
-            </a:r>
-          </a:p>
-          <a:p>
-            <a:r>
-              <a:rPr lang="en-US" altLang="ja-JP" sz="1400" dirty="0">
+              <a:t>で正規化</a:t>
+            </a:r>
+            <a:r>
+              <a:rPr lang="en-US" altLang="ja-JP" sz="1400" dirty="0" smtClean="0">
                 <a:latin typeface="ＭＳ ゴシック" panose="020B0609070205080204" pitchFamily="49" charset="-128"/>
                 <a:ea typeface="ＭＳ ゴシック" panose="020B0609070205080204" pitchFamily="49" charset="-128"/>
               </a:rPr>
-              <a:t>            "humidity": </a:t>
-            </a:r>
-            <a:r>
-              <a:rPr lang="ja-JP" altLang="en-US" sz="1400" dirty="0">
+              <a:t>)</a:t>
+            </a:r>
+          </a:p>
+          <a:p>
+            <a:r>
+              <a:rPr lang="en-US" altLang="ja-JP" sz="1400" dirty="0" smtClean="0">
                 <a:latin typeface="ＭＳ ゴシック" panose="020B0609070205080204" pitchFamily="49" charset="-128"/>
                 <a:ea typeface="ＭＳ ゴシック" panose="020B0609070205080204" pitchFamily="49" charset="-128"/>
               </a:rPr>
-              <a:t>湿度</a:t>
-            </a:r>
-            <a:r>
-              <a:rPr lang="en-US" altLang="ja-JP" sz="1400" dirty="0">
+              <a:t>           }</a:t>
+            </a:r>
+          </a:p>
+          <a:p>
+            <a:r>
+              <a:rPr lang="en-US" altLang="ja-JP" sz="1400" dirty="0" smtClean="0">
                 <a:latin typeface="ＭＳ ゴシック" panose="020B0609070205080204" pitchFamily="49" charset="-128"/>
                 <a:ea typeface="ＭＳ ゴシック" panose="020B0609070205080204" pitchFamily="49" charset="-128"/>
               </a:rPr>
-              <a:t>(100</a:t>
-            </a:r>
-            <a:r>
-              <a:rPr lang="ja-JP" altLang="en-US" sz="1400" dirty="0">
+              <a:t>         ],</a:t>
+            </a:r>
+          </a:p>
+          <a:p>
+            <a:r>
+              <a:rPr lang="en-US" altLang="ja-JP" sz="1400" dirty="0" smtClean="0">
                 <a:latin typeface="ＭＳ ゴシック" panose="020B0609070205080204" pitchFamily="49" charset="-128"/>
                 <a:ea typeface="ＭＳ ゴシック" panose="020B0609070205080204" pitchFamily="49" charset="-128"/>
               </a:rPr>
-              <a:t>で正規化</a:t>
-            </a:r>
-            <a:r>
-              <a:rPr lang="en-US" altLang="ja-JP" sz="1400" dirty="0">
+              <a:t>      }</a:t>
+            </a:r>
+          </a:p>
+          <a:p>
+            <a:r>
+              <a:rPr lang="en-US" altLang="ja-JP" sz="1400" dirty="0" smtClean="0">
                 <a:latin typeface="ＭＳ ゴシック" panose="020B0609070205080204" pitchFamily="49" charset="-128"/>
                 <a:ea typeface="ＭＳ ゴシック" panose="020B0609070205080204" pitchFamily="49" charset="-128"/>
               </a:rPr>
-              <a:t>)</a:t>
-            </a:r>
-          </a:p>
-          <a:p>
-            <a:r>
-              <a:rPr lang="en-US" altLang="ja-JP" sz="1400" dirty="0">
-                <a:latin typeface="ＭＳ ゴシック" panose="020B0609070205080204" pitchFamily="49" charset="-128"/>
-                <a:ea typeface="ＭＳ ゴシック" panose="020B0609070205080204" pitchFamily="49" charset="-128"/>
-              </a:rPr>
-              <a:t>        },</a:t>
-            </a:r>
-          </a:p>
-          <a:p>
-            <a:r>
-              <a:rPr lang="en-US" altLang="ja-JP" sz="1400" dirty="0">
-                <a:latin typeface="ＭＳ ゴシック" panose="020B0609070205080204" pitchFamily="49" charset="-128"/>
-                <a:ea typeface="ＭＳ ゴシック" panose="020B0609070205080204" pitchFamily="49" charset="-128"/>
-              </a:rPr>
-              <a:t>        </a:t>
-            </a:r>
-            <a:r>
-              <a:rPr lang="ja-JP" altLang="en-US" sz="1400" dirty="0">
-                <a:latin typeface="ＭＳ ゴシック" panose="020B0609070205080204" pitchFamily="49" charset="-128"/>
-                <a:ea typeface="ＭＳ ゴシック" panose="020B0609070205080204" pitchFamily="49" charset="-128"/>
-              </a:rPr>
-              <a:t>～～～</a:t>
-            </a:r>
-          </a:p>
-          <a:p>
-            <a:r>
-              <a:rPr lang="ja-JP" altLang="en-US" sz="1400" dirty="0">
-                <a:latin typeface="ＭＳ ゴシック" panose="020B0609070205080204" pitchFamily="49" charset="-128"/>
-                <a:ea typeface="ＭＳ ゴシック" panose="020B0609070205080204" pitchFamily="49" charset="-128"/>
-              </a:rPr>
-              <a:t>        </a:t>
-            </a:r>
-            <a:r>
-              <a:rPr lang="en-US" altLang="ja-JP" sz="1400" dirty="0">
-                <a:latin typeface="ＭＳ ゴシック" panose="020B0609070205080204" pitchFamily="49" charset="-128"/>
-                <a:ea typeface="ＭＳ ゴシック" panose="020B0609070205080204" pitchFamily="49" charset="-128"/>
-              </a:rPr>
-              <a:t>"day7": {</a:t>
-            </a:r>
-          </a:p>
-          <a:p>
-            <a:r>
-              <a:rPr lang="en-US" altLang="ja-JP" sz="1400" dirty="0">
-                <a:latin typeface="ＭＳ ゴシック" panose="020B0609070205080204" pitchFamily="49" charset="-128"/>
-                <a:ea typeface="ＭＳ ゴシック" panose="020B0609070205080204" pitchFamily="49" charset="-128"/>
-              </a:rPr>
-              <a:t>            "data": </a:t>
-            </a:r>
-            <a:r>
-              <a:rPr lang="ja-JP" altLang="en-US" sz="1400" dirty="0">
-                <a:latin typeface="ＭＳ ゴシック" panose="020B0609070205080204" pitchFamily="49" charset="-128"/>
-                <a:ea typeface="ＭＳ ゴシック" panose="020B0609070205080204" pitchFamily="49" charset="-128"/>
-              </a:rPr>
-              <a:t>日付</a:t>
-            </a:r>
-            <a:r>
-              <a:rPr lang="en-US" altLang="ja-JP" sz="1400" dirty="0">
-                <a:latin typeface="ＭＳ ゴシック" panose="020B0609070205080204" pitchFamily="49" charset="-128"/>
-                <a:ea typeface="ＭＳ ゴシック" panose="020B0609070205080204" pitchFamily="49" charset="-128"/>
-              </a:rPr>
-              <a:t>(</a:t>
-            </a:r>
-            <a:r>
-              <a:rPr lang="en-US" altLang="ja-JP" sz="1400" dirty="0" err="1">
-                <a:latin typeface="ＭＳ ゴシック" panose="020B0609070205080204" pitchFamily="49" charset="-128"/>
-                <a:ea typeface="ＭＳ ゴシック" panose="020B0609070205080204" pitchFamily="49" charset="-128"/>
-              </a:rPr>
-              <a:t>yyyy</a:t>
-            </a:r>
-            <a:r>
-              <a:rPr lang="en-US" altLang="ja-JP" sz="1400" dirty="0">
-                <a:latin typeface="ＭＳ ゴシック" panose="020B0609070205080204" pitchFamily="49" charset="-128"/>
-                <a:ea typeface="ＭＳ ゴシック" panose="020B0609070205080204" pitchFamily="49" charset="-128"/>
-              </a:rPr>
-              <a:t>/mm/</a:t>
-            </a:r>
-            <a:r>
-              <a:rPr lang="en-US" altLang="ja-JP" sz="1400" dirty="0" err="1">
-                <a:latin typeface="ＭＳ ゴシック" panose="020B0609070205080204" pitchFamily="49" charset="-128"/>
-                <a:ea typeface="ＭＳ ゴシック" panose="020B0609070205080204" pitchFamily="49" charset="-128"/>
-              </a:rPr>
-              <a:t>dd</a:t>
-            </a:r>
-            <a:r>
-              <a:rPr lang="en-US" altLang="ja-JP" sz="1400" dirty="0">
-                <a:latin typeface="ＭＳ ゴシック" panose="020B0609070205080204" pitchFamily="49" charset="-128"/>
-                <a:ea typeface="ＭＳ ゴシック" panose="020B0609070205080204" pitchFamily="49" charset="-128"/>
-              </a:rPr>
-              <a:t>),</a:t>
-            </a:r>
-          </a:p>
-          <a:p>
-            <a:r>
-              <a:rPr lang="en-US" altLang="ja-JP" sz="1400" dirty="0">
-                <a:latin typeface="ＭＳ ゴシック" panose="020B0609070205080204" pitchFamily="49" charset="-128"/>
-                <a:ea typeface="ＭＳ ゴシック" panose="020B0609070205080204" pitchFamily="49" charset="-128"/>
-              </a:rPr>
-              <a:t>            "humidity": </a:t>
-            </a:r>
-            <a:r>
-              <a:rPr lang="ja-JP" altLang="en-US" sz="1400" dirty="0">
-                <a:latin typeface="ＭＳ ゴシック" panose="020B0609070205080204" pitchFamily="49" charset="-128"/>
-                <a:ea typeface="ＭＳ ゴシック" panose="020B0609070205080204" pitchFamily="49" charset="-128"/>
-              </a:rPr>
-              <a:t>湿度</a:t>
-            </a:r>
-            <a:r>
-              <a:rPr lang="en-US" altLang="ja-JP" sz="1400" dirty="0">
-                <a:latin typeface="ＭＳ ゴシック" panose="020B0609070205080204" pitchFamily="49" charset="-128"/>
-                <a:ea typeface="ＭＳ ゴシック" panose="020B0609070205080204" pitchFamily="49" charset="-128"/>
-              </a:rPr>
-              <a:t>(100</a:t>
-            </a:r>
-            <a:r>
-              <a:rPr lang="ja-JP" altLang="en-US" sz="1400" dirty="0">
-                <a:latin typeface="ＭＳ ゴシック" panose="020B0609070205080204" pitchFamily="49" charset="-128"/>
-                <a:ea typeface="ＭＳ ゴシック" panose="020B0609070205080204" pitchFamily="49" charset="-128"/>
-              </a:rPr>
-              <a:t>で正規化</a:t>
-            </a:r>
-            <a:r>
-              <a:rPr lang="en-US" altLang="ja-JP" sz="1400" dirty="0">
-                <a:latin typeface="ＭＳ ゴシック" panose="020B0609070205080204" pitchFamily="49" charset="-128"/>
-                <a:ea typeface="ＭＳ ゴシック" panose="020B0609070205080204" pitchFamily="49" charset="-128"/>
-              </a:rPr>
-              <a:t>)</a:t>
-            </a:r>
-          </a:p>
-          <a:p>
-            <a:r>
-              <a:rPr lang="en-US" altLang="ja-JP" sz="1400" dirty="0">
-                <a:latin typeface="ＭＳ ゴシック" panose="020B0609070205080204" pitchFamily="49" charset="-128"/>
-                <a:ea typeface="ＭＳ ゴシック" panose="020B0609070205080204" pitchFamily="49" charset="-128"/>
-              </a:rPr>
-              <a:t>        }</a:t>
-            </a:r>
-          </a:p>
-          <a:p>
-            <a:r>
-              <a:rPr lang="en-US" altLang="ja-JP" sz="1400" dirty="0">
-                <a:latin typeface="ＭＳ ゴシック" panose="020B0609070205080204" pitchFamily="49" charset="-128"/>
-                <a:ea typeface="ＭＳ ゴシック" panose="020B0609070205080204" pitchFamily="49" charset="-128"/>
-              </a:rPr>
-              <a:t>    }</a:t>
-            </a:r>
-          </a:p>
-          <a:p>
-            <a:r>
-              <a:rPr lang="en-US" altLang="ja-JP" sz="1400" dirty="0">
+              <a:t>    ]</a:t>
+            </a:r>
+          </a:p>
+          <a:p>
+            <a:r>
+              <a:rPr lang="en-US" altLang="ja-JP" sz="1400" dirty="0" smtClean="0">
                 <a:latin typeface="ＭＳ ゴシック" panose="020B0609070205080204" pitchFamily="49" charset="-128"/>
                 <a:ea typeface="ＭＳ ゴシック" panose="020B0609070205080204" pitchFamily="49" charset="-128"/>
               </a:rPr>
@@ -20634,7 +20515,7 @@
         <p:spPr>
           <a:xfrm>
             <a:off x="5220072" y="3140968"/>
-            <a:ext cx="3811556" cy="2585323"/>
+            <a:ext cx="4305987" cy="2308324"/>
           </a:xfrm>
           <a:prstGeom prst="rect">
             <a:avLst/>
@@ -20765,17 +20646,7 @@
                 <a:ea typeface="メイリオ" panose="020B0604030504040204" pitchFamily="50" charset="-128"/>
                 <a:cs typeface="メイリオ" panose="020B0604030504040204" pitchFamily="50" charset="-128"/>
               </a:rPr>
-              <a:t>(2)</a:t>
-            </a:r>
-          </a:p>
-          <a:p>
-            <a:r>
-              <a:rPr lang="ja-JP" altLang="en-US" dirty="0" smtClean="0">
-                <a:latin typeface="メイリオ" panose="020B0604030504040204" pitchFamily="50" charset="-128"/>
-                <a:ea typeface="メイリオ" panose="020B0604030504040204" pitchFamily="50" charset="-128"/>
-                <a:cs typeface="メイリオ" panose="020B0604030504040204" pitchFamily="50" charset="-128"/>
-              </a:rPr>
-              <a:t>・規定時刻 </a:t>
+              <a:t>(2</a:t>
             </a:r>
             <a:r>
               <a:rPr lang="en-US" altLang="ja-JP" dirty="0" smtClean="0">
@@ -20783,57 +20654,7 @@
                 <a:ea typeface="メイリオ" panose="020B0604030504040204" pitchFamily="50" charset="-128"/>
                 <a:cs typeface="メイリオ" panose="020B0604030504040204" pitchFamily="50" charset="-128"/>
               </a:rPr>
-              <a:t>(</a:t>
-            </a:r>
-            <a:r>
-              <a:rPr lang="en-US" altLang="ja-JP" dirty="0" err="1" smtClean="0">
-                <a:latin typeface="メイリオ" panose="020B0604030504040204" pitchFamily="50" charset="-128"/>
-                <a:ea typeface="メイリオ" panose="020B0604030504040204" pitchFamily="50" charset="-128"/>
-                <a:cs typeface="メイリオ" panose="020B0604030504040204" pitchFamily="50" charset="-128"/>
-              </a:rPr>
-              <a:t>hh:mm</a:t>
-            </a:r>
-            <a:r>
-              <a:rPr lang="en-US" altLang="ja-JP" dirty="0" smtClean="0">
-                <a:latin typeface="メイリオ" panose="020B0604030504040204" pitchFamily="50" charset="-128"/>
-                <a:ea typeface="メイリオ" panose="020B0604030504040204" pitchFamily="50" charset="-128"/>
-                <a:cs typeface="メイリオ" panose="020B0604030504040204" pitchFamily="50" charset="-128"/>
-              </a:rPr>
               <a:t>)</a:t>
-            </a:r>
-          </a:p>
-          <a:p>
-            <a:r>
-              <a:rPr kumimoji="1" lang="ja-JP" altLang="en-US" dirty="0" smtClean="0">
-                <a:latin typeface="メイリオ" panose="020B0604030504040204" pitchFamily="50" charset="-128"/>
-                <a:ea typeface="メイリオ" panose="020B0604030504040204" pitchFamily="50" charset="-128"/>
-                <a:cs typeface="メイリオ" panose="020B0604030504040204" pitchFamily="50" charset="-128"/>
-              </a:rPr>
-              <a:t>・１日</a:t>
-            </a:r>
-            <a:r>
-              <a:rPr lang="ja-JP" altLang="en-US" dirty="0" smtClean="0">
-                <a:latin typeface="メイリオ" panose="020B0604030504040204" pitchFamily="50" charset="-128"/>
-                <a:ea typeface="メイリオ" panose="020B0604030504040204" pitchFamily="50" charset="-128"/>
-                <a:cs typeface="メイリオ" panose="020B0604030504040204" pitchFamily="50" charset="-128"/>
-              </a:rPr>
-              <a:t>～７日</a:t>
-            </a:r>
-            <a:r>
-              <a:rPr kumimoji="1" lang="ja-JP" altLang="en-US" dirty="0" smtClean="0">
-                <a:latin typeface="メイリオ" panose="020B0604030504040204" pitchFamily="50" charset="-128"/>
-                <a:ea typeface="メイリオ" panose="020B0604030504040204" pitchFamily="50" charset="-128"/>
-                <a:cs typeface="メイリオ" panose="020B0604030504040204" pitchFamily="50" charset="-128"/>
-              </a:rPr>
-              <a:t>前</a:t>
-            </a:r>
-            <a:r>
-              <a:rPr lang="ja-JP" altLang="en-US" dirty="0" smtClean="0">
-                <a:latin typeface="メイリオ" panose="020B0604030504040204" pitchFamily="50" charset="-128"/>
-                <a:ea typeface="メイリオ" panose="020B0604030504040204" pitchFamily="50" charset="-128"/>
-                <a:cs typeface="メイリオ" panose="020B0604030504040204" pitchFamily="50" charset="-128"/>
-              </a:rPr>
-              <a:t>の湿度</a:t>
             </a:r>
             <a:endParaRPr lang="en-US" altLang="ja-JP" dirty="0" smtClean="0">
               <a:latin typeface="メイリオ" panose="020B0604030504040204" pitchFamily="50" charset="-128"/>
@@ -20843,6 +20664,45 @@
           </a:p>
           <a:p>
             <a:r>
+              <a:rPr kumimoji="1" lang="ja-JP" altLang="en-US" dirty="0" smtClean="0">
+                <a:latin typeface="メイリオ" panose="020B0604030504040204" pitchFamily="50" charset="-128"/>
+                <a:ea typeface="メイリオ" panose="020B0604030504040204" pitchFamily="50" charset="-128"/>
+                <a:cs typeface="メイリオ" panose="020B0604030504040204" pitchFamily="50" charset="-128"/>
+              </a:rPr>
+              <a:t>・１日</a:t>
+            </a:r>
+            <a:r>
+              <a:rPr lang="ja-JP" altLang="en-US" dirty="0" smtClean="0">
+                <a:latin typeface="メイリオ" panose="020B0604030504040204" pitchFamily="50" charset="-128"/>
+                <a:ea typeface="メイリオ" panose="020B0604030504040204" pitchFamily="50" charset="-128"/>
+                <a:cs typeface="メイリオ" panose="020B0604030504040204" pitchFamily="50" charset="-128"/>
+              </a:rPr>
+              <a:t>～７日</a:t>
+            </a:r>
+            <a:r>
+              <a:rPr kumimoji="1" lang="ja-JP" altLang="en-US" dirty="0" smtClean="0">
+                <a:latin typeface="メイリオ" panose="020B0604030504040204" pitchFamily="50" charset="-128"/>
+                <a:ea typeface="メイリオ" panose="020B0604030504040204" pitchFamily="50" charset="-128"/>
+                <a:cs typeface="メイリオ" panose="020B0604030504040204" pitchFamily="50" charset="-128"/>
+              </a:rPr>
+              <a:t>前</a:t>
+            </a:r>
+            <a:r>
+              <a:rPr lang="ja-JP" altLang="en-US" dirty="0" smtClean="0">
+                <a:latin typeface="メイリオ" panose="020B0604030504040204" pitchFamily="50" charset="-128"/>
+                <a:ea typeface="メイリオ" panose="020B0604030504040204" pitchFamily="50" charset="-128"/>
+                <a:cs typeface="メイリオ" panose="020B0604030504040204" pitchFamily="50" charset="-128"/>
+              </a:rPr>
+              <a:t>の湿度</a:t>
+            </a:r>
+            <a:endParaRPr lang="en-US" altLang="ja-JP" dirty="0" smtClean="0">
+              <a:latin typeface="メイリオ" panose="020B0604030504040204" pitchFamily="50" charset="-128"/>
+              <a:ea typeface="メイリオ" panose="020B0604030504040204" pitchFamily="50" charset="-128"/>
+              <a:cs typeface="メイリオ" panose="020B0604030504040204" pitchFamily="50" charset="-128"/>
+            </a:endParaRPr>
+          </a:p>
+          <a:p>
+            <a:r>
               <a:rPr lang="ja-JP" altLang="en-US" dirty="0">
                 <a:latin typeface="メイリオ" panose="020B0604030504040204" pitchFamily="50" charset="-128"/>
                 <a:ea typeface="メイリオ" panose="020B0604030504040204" pitchFamily="50" charset="-128"/>
@@ -20856,7 +20716,7 @@
                 <a:ea typeface="メイリオ" panose="020B0604030504040204" pitchFamily="50" charset="-128"/>
                 <a:cs typeface="メイリオ" panose="020B0604030504040204" pitchFamily="50" charset="-128"/>
               </a:rPr>
-              <a:t>※1</a:t>
+              <a:t>※</a:t>
             </a:r>
             <a:r>
               <a:rPr lang="ja-JP" altLang="en-US" dirty="0" smtClean="0">
@@ -20864,7 +20724,39 @@
                 <a:ea typeface="メイリオ" panose="020B0604030504040204" pitchFamily="50" charset="-128"/>
                 <a:cs typeface="メイリオ" panose="020B0604030504040204" pitchFamily="50" charset="-128"/>
               </a:rPr>
-              <a:t>日毎のデータ</a:t>
+              <a:t>日付＋</a:t>
+            </a:r>
+            <a:r>
+              <a:rPr lang="en-US" altLang="ja-JP" dirty="0" smtClean="0">
+                <a:latin typeface="メイリオ" panose="020B0604030504040204" pitchFamily="50" charset="-128"/>
+                <a:ea typeface="メイリオ" panose="020B0604030504040204" pitchFamily="50" charset="-128"/>
+                <a:cs typeface="メイリオ" panose="020B0604030504040204" pitchFamily="50" charset="-128"/>
+              </a:rPr>
+              <a:t>1</a:t>
+            </a:r>
+            <a:r>
+              <a:rPr lang="ja-JP" altLang="en-US" dirty="0" smtClean="0">
+                <a:latin typeface="メイリオ" panose="020B0604030504040204" pitchFamily="50" charset="-128"/>
+                <a:ea typeface="メイリオ" panose="020B0604030504040204" pitchFamily="50" charset="-128"/>
+                <a:cs typeface="メイリオ" panose="020B0604030504040204" pitchFamily="50" charset="-128"/>
+              </a:rPr>
+              <a:t>日毎のデータ（</a:t>
+            </a:r>
+            <a:r>
+              <a:rPr lang="en-US" altLang="ja-JP" dirty="0" smtClean="0">
+                <a:latin typeface="メイリオ" panose="020B0604030504040204" pitchFamily="50" charset="-128"/>
+                <a:ea typeface="メイリオ" panose="020B0604030504040204" pitchFamily="50" charset="-128"/>
+                <a:cs typeface="メイリオ" panose="020B0604030504040204" pitchFamily="50" charset="-128"/>
+              </a:rPr>
+              <a:t>24</a:t>
+            </a:r>
+            <a:r>
+              <a:rPr lang="ja-JP" altLang="en-US" dirty="0" smtClean="0">
+                <a:latin typeface="メイリオ" panose="020B0604030504040204" pitchFamily="50" charset="-128"/>
+                <a:ea typeface="メイリオ" panose="020B0604030504040204" pitchFamily="50" charset="-128"/>
+                <a:cs typeface="メイリオ" panose="020B0604030504040204" pitchFamily="50" charset="-128"/>
+              </a:rPr>
+              <a:t>時間分）</a:t>
             </a:r>
             <a:endParaRPr lang="en-US" altLang="ja-JP" dirty="0">
               <a:latin typeface="メイリオ" panose="020B0604030504040204" pitchFamily="50" charset="-128"/>
@@ -20887,48 +20779,29 @@
                 <a:ea typeface="メイリオ" panose="020B0604030504040204" pitchFamily="50" charset="-128"/>
                 <a:cs typeface="メイリオ" panose="020B0604030504040204" pitchFamily="50" charset="-128"/>
               </a:rPr>
-              <a:t>→日付</a:t>
-            </a:r>
-            <a:r>
-              <a:rPr lang="en-US" altLang="ja-JP" dirty="0" smtClean="0">
+              <a:t>→</a:t>
+            </a:r>
+            <a:r>
+              <a:rPr lang="ja-JP" altLang="en-US" dirty="0" smtClean="0">
                 <a:latin typeface="メイリオ" panose="020B0604030504040204" pitchFamily="50" charset="-128"/>
                 <a:ea typeface="メイリオ" panose="020B0604030504040204" pitchFamily="50" charset="-128"/>
                 <a:cs typeface="メイリオ" panose="020B0604030504040204" pitchFamily="50" charset="-128"/>
               </a:rPr>
-              <a:t>(</a:t>
-            </a:r>
-            <a:r>
-              <a:rPr lang="en-US" altLang="ja-JP" dirty="0" err="1" smtClean="0">
+              <a:t>時刻</a:t>
+            </a:r>
+            <a:r>
+              <a:rPr lang="en-US" altLang="ja-JP" smtClean="0">
                 <a:latin typeface="メイリオ" panose="020B0604030504040204" pitchFamily="50" charset="-128"/>
                 <a:ea typeface="メイリオ" panose="020B0604030504040204" pitchFamily="50" charset="-128"/>
                 <a:cs typeface="メイリオ" panose="020B0604030504040204" pitchFamily="50" charset="-128"/>
               </a:rPr>
-              <a:t>yyyy</a:t>
-            </a:r>
-            <a:r>
-              <a:rPr lang="en-US" altLang="ja-JP" dirty="0" smtClean="0">
-                <a:latin typeface="メイリオ" panose="020B0604030504040204" pitchFamily="50" charset="-128"/>
-                <a:ea typeface="メイリオ" panose="020B0604030504040204" pitchFamily="50" charset="-128"/>
-                <a:cs typeface="メイリオ" panose="020B0604030504040204" pitchFamily="50" charset="-128"/>
-              </a:rPr>
-              <a:t>/mm/</a:t>
-            </a:r>
-            <a:r>
-              <a:rPr lang="en-US" altLang="ja-JP" dirty="0" err="1" smtClean="0">
-                <a:latin typeface="メイリオ" panose="020B0604030504040204" pitchFamily="50" charset="-128"/>
-                <a:ea typeface="メイリオ" panose="020B0604030504040204" pitchFamily="50" charset="-128"/>
-                <a:cs typeface="メイリオ" panose="020B0604030504040204" pitchFamily="50" charset="-128"/>
-              </a:rPr>
-              <a:t>dd</a:t>
-            </a:r>
-            <a:r>
-              <a:rPr lang="en-US" altLang="ja-JP" dirty="0" smtClean="0">
-                <a:latin typeface="メイリオ" panose="020B0604030504040204" pitchFamily="50" charset="-128"/>
-                <a:ea typeface="メイリオ" panose="020B0604030504040204" pitchFamily="50" charset="-128"/>
-                <a:cs typeface="メイリオ" panose="020B0604030504040204" pitchFamily="50" charset="-128"/>
-              </a:rPr>
-              <a:t>)</a:t>
-            </a:r>
+              <a:t>(HH)</a:t>
+            </a:r>
+            <a:endParaRPr lang="en-US" altLang="ja-JP" dirty="0" smtClean="0">
+              <a:latin typeface="メイリオ" panose="020B0604030504040204" pitchFamily="50" charset="-128"/>
+              <a:ea typeface="メイリオ" panose="020B0604030504040204" pitchFamily="50" charset="-128"/>
+              <a:cs typeface="メイリオ" panose="020B0604030504040204" pitchFamily="50" charset="-128"/>
+            </a:endParaRPr>
           </a:p>
           <a:p>
             <a:r>
@@ -21023,7 +20896,7 @@
     </p:spTree>
     <p:extLst>
       <p:ext uri="{BB962C8B-B14F-4D97-AF65-F5344CB8AC3E}">
-        <p14:creationId xmlns:p14="http://schemas.microsoft.com/office/powerpoint/2010/main" val="3487800864"/>
+        <p14:creationId xmlns:p14="http://schemas.microsoft.com/office/powerpoint/2010/main" xmlns="" val="3487800864"/>
       </p:ext>
     </p:extLst>
   </p:cSld>
